--- a/Доки/Данилин А.А.pptx
+++ b/Доки/Данилин А.А.pptx
@@ -6,19 +6,22 @@
   </p:sldMasterIdLst>
   <p:sldIdLst>
     <p:sldId id="256" r:id="rId2"/>
-    <p:sldId id="273" r:id="rId3"/>
-    <p:sldId id="288" r:id="rId4"/>
-    <p:sldId id="263" r:id="rId5"/>
-    <p:sldId id="286" r:id="rId6"/>
-    <p:sldId id="278" r:id="rId7"/>
-    <p:sldId id="280" r:id="rId8"/>
-    <p:sldId id="287" r:id="rId9"/>
-    <p:sldId id="282" r:id="rId10"/>
-    <p:sldId id="284" r:id="rId11"/>
-    <p:sldId id="289" r:id="rId12"/>
-    <p:sldId id="277" r:id="rId13"/>
-    <p:sldId id="267" r:id="rId14"/>
-    <p:sldId id="272" r:id="rId15"/>
+    <p:sldId id="291" r:id="rId3"/>
+    <p:sldId id="273" r:id="rId4"/>
+    <p:sldId id="288" r:id="rId5"/>
+    <p:sldId id="278" r:id="rId6"/>
+    <p:sldId id="263" r:id="rId7"/>
+    <p:sldId id="286" r:id="rId8"/>
+    <p:sldId id="282" r:id="rId9"/>
+    <p:sldId id="287" r:id="rId10"/>
+    <p:sldId id="280" r:id="rId11"/>
+    <p:sldId id="290" r:id="rId12"/>
+    <p:sldId id="289" r:id="rId13"/>
+    <p:sldId id="284" r:id="rId14"/>
+    <p:sldId id="277" r:id="rId15"/>
+    <p:sldId id="292" r:id="rId16"/>
+    <p:sldId id="267" r:id="rId17"/>
+    <p:sldId id="272" r:id="rId18"/>
   </p:sldIdLst>
   <p:sldSz cx="12192000" cy="6858000"/>
   <p:notesSz cx="6858000" cy="9144000"/>
@@ -179,7 +182,7 @@
           <a:p>
             <a:fld id="{D02530AB-7E7F-42A0-9819-35D12B816B3C}" type="datetimeFigureOut">
               <a:rPr lang="ru-RU" smtClean="0"/>
-              <a:t>12.05.2023</a:t>
+              <a:t>13.06.2023</a:t>
             </a:fld>
             <a:endParaRPr lang="ru-RU"/>
           </a:p>
@@ -443,7 +446,7 @@
           <a:p>
             <a:fld id="{D02530AB-7E7F-42A0-9819-35D12B816B3C}" type="datetimeFigureOut">
               <a:rPr lang="ru-RU" smtClean="0"/>
-              <a:t>12.05.2023</a:t>
+              <a:t>13.06.2023</a:t>
             </a:fld>
             <a:endParaRPr lang="ru-RU"/>
           </a:p>
@@ -785,7 +788,7 @@
           <a:p>
             <a:fld id="{D02530AB-7E7F-42A0-9819-35D12B816B3C}" type="datetimeFigureOut">
               <a:rPr lang="ru-RU" smtClean="0"/>
-              <a:t>12.05.2023</a:t>
+              <a:t>13.06.2023</a:t>
             </a:fld>
             <a:endParaRPr lang="ru-RU"/>
           </a:p>
@@ -1123,7 +1126,7 @@
           <a:p>
             <a:fld id="{D02530AB-7E7F-42A0-9819-35D12B816B3C}" type="datetimeFigureOut">
               <a:rPr lang="ru-RU" smtClean="0"/>
-              <a:t>12.05.2023</a:t>
+              <a:t>13.06.2023</a:t>
             </a:fld>
             <a:endParaRPr lang="ru-RU"/>
           </a:p>
@@ -1557,7 +1560,7 @@
           <a:p>
             <a:fld id="{D02530AB-7E7F-42A0-9819-35D12B816B3C}" type="datetimeFigureOut">
               <a:rPr lang="ru-RU" smtClean="0"/>
-              <a:t>12.05.2023</a:t>
+              <a:t>13.06.2023</a:t>
             </a:fld>
             <a:endParaRPr lang="ru-RU"/>
           </a:p>
@@ -1956,7 +1959,7 @@
           <a:p>
             <a:fld id="{D02530AB-7E7F-42A0-9819-35D12B816B3C}" type="datetimeFigureOut">
               <a:rPr lang="ru-RU" smtClean="0"/>
-              <a:t>12.05.2023</a:t>
+              <a:t>13.06.2023</a:t>
             </a:fld>
             <a:endParaRPr lang="ru-RU"/>
           </a:p>
@@ -2484,7 +2487,7 @@
           <a:p>
             <a:fld id="{D02530AB-7E7F-42A0-9819-35D12B816B3C}" type="datetimeFigureOut">
               <a:rPr lang="ru-RU" smtClean="0"/>
-              <a:t>12.05.2023</a:t>
+              <a:t>13.06.2023</a:t>
             </a:fld>
             <a:endParaRPr lang="ru-RU"/>
           </a:p>
@@ -2770,7 +2773,7 @@
           <a:p>
             <a:fld id="{D02530AB-7E7F-42A0-9819-35D12B816B3C}" type="datetimeFigureOut">
               <a:rPr lang="ru-RU" smtClean="0"/>
-              <a:t>12.05.2023</a:t>
+              <a:t>13.06.2023</a:t>
             </a:fld>
             <a:endParaRPr lang="ru-RU"/>
           </a:p>
@@ -3056,7 +3059,7 @@
           <a:p>
             <a:fld id="{D02530AB-7E7F-42A0-9819-35D12B816B3C}" type="datetimeFigureOut">
               <a:rPr lang="ru-RU" smtClean="0"/>
-              <a:t>12.05.2023</a:t>
+              <a:t>13.06.2023</a:t>
             </a:fld>
             <a:endParaRPr lang="ru-RU"/>
           </a:p>
@@ -3595,7 +3598,7 @@
           <a:p>
             <a:fld id="{D02530AB-7E7F-42A0-9819-35D12B816B3C}" type="datetimeFigureOut">
               <a:rPr lang="ru-RU" smtClean="0"/>
-              <a:t>12.05.2023</a:t>
+              <a:t>13.06.2023</a:t>
             </a:fld>
             <a:endParaRPr lang="ru-RU"/>
           </a:p>
@@ -4010,7 +4013,7 @@
           <a:p>
             <a:fld id="{D02530AB-7E7F-42A0-9819-35D12B816B3C}" type="datetimeFigureOut">
               <a:rPr lang="ru-RU" smtClean="0"/>
-              <a:t>12.05.2023</a:t>
+              <a:t>13.06.2023</a:t>
             </a:fld>
             <a:endParaRPr lang="ru-RU"/>
           </a:p>
@@ -4302,7 +4305,7 @@
           <a:p>
             <a:fld id="{D02530AB-7E7F-42A0-9819-35D12B816B3C}" type="datetimeFigureOut">
               <a:rPr lang="ru-RU" smtClean="0"/>
-              <a:t>12.05.2023</a:t>
+              <a:t>13.06.2023</a:t>
             </a:fld>
             <a:endParaRPr lang="ru-RU" dirty="0"/>
           </a:p>
@@ -4990,51 +4993,47 @@
           <a:lstStyle/>
           <a:p>
             <a:r>
-              <a:rPr lang="ru-RU" dirty="0"/>
-              <a:t>Тестовая среда</a:t>
-            </a:r>
+              <a:rPr lang="ru-RU" dirty="0" err="1"/>
+              <a:t>Фронтенд</a:t>
+            </a:r>
+            <a:endParaRPr lang="ru-RU" dirty="0"/>
           </a:p>
         </p:txBody>
       </p:sp>
       <p:pic>
         <p:nvPicPr>
-          <p:cNvPr id="8" name="Объект 7" descr="Изображение выглядит как Красочность, дизайн&#10;&#10;Автоматически созданное описание">
+          <p:cNvPr id="9" name="Рисунок 8">
             <a:extLst>
               <a:ext uri="{FF2B5EF4-FFF2-40B4-BE49-F238E27FC236}">
-                <a16:creationId xmlns:a16="http://schemas.microsoft.com/office/drawing/2014/main" id="{03679D99-4204-E743-B02E-F8964402CCA5}"/>
+                <a16:creationId xmlns:a16="http://schemas.microsoft.com/office/drawing/2014/main" id="{38B5B44D-EA7D-B550-1885-9B36F4F905BE}"/>
               </a:ext>
             </a:extLst>
           </p:cNvPr>
           <p:cNvPicPr>
-            <a:picLocks noGrp="1" noChangeAspect="1"/>
+            <a:picLocks noChangeAspect="1"/>
           </p:cNvPicPr>
-          <p:nvPr>
-            <p:ph idx="1"/>
-          </p:nvPr>
+          <p:nvPr/>
         </p:nvPicPr>
         <p:blipFill>
-          <a:blip r:embed="rId2">
-            <a:extLst>
-              <a:ext uri="{28A0092B-C50C-407E-A947-70E740481C1C}">
-                <a14:useLocalDpi xmlns:a14="http://schemas.microsoft.com/office/drawing/2010/main" val="0"/>
-              </a:ext>
-            </a:extLst>
-          </a:blip>
+          <a:blip r:embed="rId2"/>
           <a:stretch>
             <a:fillRect/>
           </a:stretch>
         </p:blipFill>
         <p:spPr>
           <a:xfrm>
-            <a:off x="4119011" y="1676951"/>
-            <a:ext cx="3504098" cy="3504098"/>
-          </a:xfrm>
+            <a:off x="269505" y="1187199"/>
+            <a:ext cx="9047875" cy="4768984"/>
+          </a:xfrm>
+          <a:prstGeom prst="rect">
+            <a:avLst/>
+          </a:prstGeom>
         </p:spPr>
       </p:pic>
     </p:spTree>
     <p:extLst>
       <p:ext uri="{BB962C8B-B14F-4D97-AF65-F5344CB8AC3E}">
-        <p14:creationId xmlns:p14="http://schemas.microsoft.com/office/powerpoint/2010/main" val="4019053177"/>
+        <p14:creationId xmlns:p14="http://schemas.microsoft.com/office/powerpoint/2010/main" val="2681824232"/>
       </p:ext>
     </p:extLst>
   </p:cSld>
@@ -5066,7 +5065,7 @@
           <p:cNvPr id="5" name="Объект 4">
             <a:extLst>
               <a:ext uri="{FF2B5EF4-FFF2-40B4-BE49-F238E27FC236}">
-                <a16:creationId xmlns:a16="http://schemas.microsoft.com/office/drawing/2014/main" id="{09806D18-8639-F783-A368-3D692684060A}"/>
+                <a16:creationId xmlns:a16="http://schemas.microsoft.com/office/drawing/2014/main" id="{A3513844-2DD1-57AC-B1DA-BBC53BF1BA53}"/>
               </a:ext>
             </a:extLst>
           </p:cNvPr>
@@ -5085,8 +5084,8 @@
         </p:blipFill>
         <p:spPr>
           <a:xfrm>
-            <a:off x="269506" y="1253331"/>
-            <a:ext cx="2087806" cy="3637451"/>
+            <a:off x="3365610" y="1941249"/>
+            <a:ext cx="4789659" cy="4351338"/>
           </a:xfrm>
         </p:spPr>
       </p:pic>
@@ -5095,7 +5094,7 @@
           <p:cNvPr id="3" name="Заголовок 2">
             <a:extLst>
               <a:ext uri="{FF2B5EF4-FFF2-40B4-BE49-F238E27FC236}">
-                <a16:creationId xmlns:a16="http://schemas.microsoft.com/office/drawing/2014/main" id="{E88FD708-C868-FBCC-6F47-BAD55446FEDB}"/>
+                <a16:creationId xmlns:a16="http://schemas.microsoft.com/office/drawing/2014/main" id="{3C644986-C4B4-E4F4-2062-2AA047567D5F}"/>
               </a:ext>
             </a:extLst>
           </p:cNvPr>
@@ -5113,305 +5112,7 @@
           <a:p>
             <a:r>
               <a:rPr lang="ru-RU" dirty="0"/>
-              <a:t>Итоговый результат</a:t>
-            </a:r>
-          </a:p>
-        </p:txBody>
-      </p:sp>
-      <p:pic>
-        <p:nvPicPr>
-          <p:cNvPr id="7" name="Рисунок 6">
-            <a:extLst>
-              <a:ext uri="{FF2B5EF4-FFF2-40B4-BE49-F238E27FC236}">
-                <a16:creationId xmlns:a16="http://schemas.microsoft.com/office/drawing/2014/main" id="{575BF30D-E07E-6870-7614-FFEE6F1FDC6F}"/>
-              </a:ext>
-            </a:extLst>
-          </p:cNvPr>
-          <p:cNvPicPr>
-            <a:picLocks noChangeAspect="1"/>
-          </p:cNvPicPr>
-          <p:nvPr/>
-        </p:nvPicPr>
-        <p:blipFill>
-          <a:blip r:embed="rId3"/>
-          <a:stretch>
-            <a:fillRect/>
-          </a:stretch>
-        </p:blipFill>
-        <p:spPr>
-          <a:xfrm>
-            <a:off x="2498741" y="1236256"/>
-            <a:ext cx="2093311" cy="3637451"/>
-          </a:xfrm>
-          <a:prstGeom prst="rect">
-            <a:avLst/>
-          </a:prstGeom>
-        </p:spPr>
-      </p:pic>
-      <p:pic>
-        <p:nvPicPr>
-          <p:cNvPr id="9" name="Рисунок 8">
-            <a:extLst>
-              <a:ext uri="{FF2B5EF4-FFF2-40B4-BE49-F238E27FC236}">
-                <a16:creationId xmlns:a16="http://schemas.microsoft.com/office/drawing/2014/main" id="{308FE08B-AD44-52B9-F762-BC44851383E8}"/>
-              </a:ext>
-            </a:extLst>
-          </p:cNvPr>
-          <p:cNvPicPr>
-            <a:picLocks noChangeAspect="1"/>
-          </p:cNvPicPr>
-          <p:nvPr/>
-        </p:nvPicPr>
-        <p:blipFill>
-          <a:blip r:embed="rId4"/>
-          <a:stretch>
-            <a:fillRect/>
-          </a:stretch>
-        </p:blipFill>
-        <p:spPr>
-          <a:xfrm>
-            <a:off x="4739561" y="1236255"/>
-            <a:ext cx="2107257" cy="3637451"/>
-          </a:xfrm>
-          <a:prstGeom prst="rect">
-            <a:avLst/>
-          </a:prstGeom>
-        </p:spPr>
-      </p:pic>
-      <p:pic>
-        <p:nvPicPr>
-          <p:cNvPr id="10" name="Рисунок 9" descr="Изображение выглядит как текст, снимок экрана&#10;&#10;Автоматически созданное описание">
-            <a:extLst>
-              <a:ext uri="{FF2B5EF4-FFF2-40B4-BE49-F238E27FC236}">
-                <a16:creationId xmlns:a16="http://schemas.microsoft.com/office/drawing/2014/main" id="{FF920754-3C74-453D-BA85-F5DA8965F9D2}"/>
-              </a:ext>
-            </a:extLst>
-          </p:cNvPr>
-          <p:cNvPicPr>
-            <a:picLocks noChangeAspect="1"/>
-          </p:cNvPicPr>
-          <p:nvPr/>
-        </p:nvPicPr>
-        <p:blipFill>
-          <a:blip r:embed="rId5"/>
-          <a:stretch>
-            <a:fillRect/>
-          </a:stretch>
-        </p:blipFill>
-        <p:spPr>
-          <a:xfrm>
-            <a:off x="6994327" y="1236255"/>
-            <a:ext cx="2125491" cy="3654527"/>
-          </a:xfrm>
-          <a:prstGeom prst="rect">
-            <a:avLst/>
-          </a:prstGeom>
-        </p:spPr>
-      </p:pic>
-      <p:pic>
-        <p:nvPicPr>
-          <p:cNvPr id="11" name="Рисунок 10" descr="Изображение выглядит как текст, снимок экрана, дизайн&#10;&#10;Автоматически созданное описание">
-            <a:extLst>
-              <a:ext uri="{FF2B5EF4-FFF2-40B4-BE49-F238E27FC236}">
-                <a16:creationId xmlns:a16="http://schemas.microsoft.com/office/drawing/2014/main" id="{12E24E90-0195-F8B7-3BEC-BF1A7B8F96DA}"/>
-              </a:ext>
-            </a:extLst>
-          </p:cNvPr>
-          <p:cNvPicPr>
-            <a:picLocks noChangeAspect="1"/>
-          </p:cNvPicPr>
-          <p:nvPr/>
-        </p:nvPicPr>
-        <p:blipFill>
-          <a:blip r:embed="rId6"/>
-          <a:stretch>
-            <a:fillRect/>
-          </a:stretch>
-        </p:blipFill>
-        <p:spPr>
-          <a:xfrm>
-            <a:off x="9229068" y="1236256"/>
-            <a:ext cx="2096702" cy="3637450"/>
-          </a:xfrm>
-          <a:prstGeom prst="rect">
-            <a:avLst/>
-          </a:prstGeom>
-        </p:spPr>
-      </p:pic>
-      <p:sp>
-        <p:nvSpPr>
-          <p:cNvPr id="12" name="TextBox 11">
-            <a:extLst>
-              <a:ext uri="{FF2B5EF4-FFF2-40B4-BE49-F238E27FC236}">
-                <a16:creationId xmlns:a16="http://schemas.microsoft.com/office/drawing/2014/main" id="{BA18FE40-6607-0880-4053-504DB2C7D9BB}"/>
-              </a:ext>
-            </a:extLst>
-          </p:cNvPr>
-          <p:cNvSpPr txBox="1"/>
-          <p:nvPr/>
-        </p:nvSpPr>
-        <p:spPr>
-          <a:xfrm>
-            <a:off x="490331" y="4890782"/>
-            <a:ext cx="1646156" cy="369332"/>
-          </a:xfrm>
-          <a:prstGeom prst="rect">
-            <a:avLst/>
-          </a:prstGeom>
-          <a:noFill/>
-        </p:spPr>
-        <p:txBody>
-          <a:bodyPr wrap="none" rtlCol="0">
-            <a:spAutoFit/>
-          </a:bodyPr>
-          <a:lstStyle/>
-          <a:p>
-            <a:r>
-              <a:rPr lang="ru-RU" dirty="0"/>
-              <a:t>Окно новостей</a:t>
-            </a:r>
-          </a:p>
-        </p:txBody>
-      </p:sp>
-      <p:sp>
-        <p:nvSpPr>
-          <p:cNvPr id="13" name="TextBox 12">
-            <a:extLst>
-              <a:ext uri="{FF2B5EF4-FFF2-40B4-BE49-F238E27FC236}">
-                <a16:creationId xmlns:a16="http://schemas.microsoft.com/office/drawing/2014/main" id="{5ED45676-A099-4DC4-624E-34C405224BF3}"/>
-              </a:ext>
-            </a:extLst>
-          </p:cNvPr>
-          <p:cNvSpPr txBox="1"/>
-          <p:nvPr/>
-        </p:nvSpPr>
-        <p:spPr>
-          <a:xfrm>
-            <a:off x="2648762" y="4890782"/>
-            <a:ext cx="1799348" cy="646331"/>
-          </a:xfrm>
-          <a:prstGeom prst="rect">
-            <a:avLst/>
-          </a:prstGeom>
-          <a:noFill/>
-        </p:spPr>
-        <p:txBody>
-          <a:bodyPr wrap="square" rtlCol="0">
-            <a:spAutoFit/>
-          </a:bodyPr>
-          <a:lstStyle/>
-          <a:p>
-            <a:pPr algn="ctr"/>
-            <a:r>
-              <a:rPr lang="ru-RU" dirty="0"/>
-              <a:t>Окно записной книжки</a:t>
-            </a:r>
-          </a:p>
-        </p:txBody>
-      </p:sp>
-      <p:sp>
-        <p:nvSpPr>
-          <p:cNvPr id="14" name="TextBox 13">
-            <a:extLst>
-              <a:ext uri="{FF2B5EF4-FFF2-40B4-BE49-F238E27FC236}">
-                <a16:creationId xmlns:a16="http://schemas.microsoft.com/office/drawing/2014/main" id="{5DE4A3CE-62ED-57AC-5242-6EC613CDF48E}"/>
-              </a:ext>
-            </a:extLst>
-          </p:cNvPr>
-          <p:cNvSpPr txBox="1"/>
-          <p:nvPr/>
-        </p:nvSpPr>
-        <p:spPr>
-          <a:xfrm>
-            <a:off x="4956205" y="4873706"/>
-            <a:ext cx="1673970" cy="646331"/>
-          </a:xfrm>
-          <a:prstGeom prst="rect">
-            <a:avLst/>
-          </a:prstGeom>
-          <a:noFill/>
-        </p:spPr>
-        <p:txBody>
-          <a:bodyPr wrap="square" rtlCol="0">
-            <a:spAutoFit/>
-          </a:bodyPr>
-          <a:lstStyle/>
-          <a:p>
-            <a:pPr algn="ctr"/>
-            <a:r>
-              <a:rPr lang="ru-RU" dirty="0"/>
-              <a:t>Окно создания записей</a:t>
-            </a:r>
-          </a:p>
-        </p:txBody>
-      </p:sp>
-      <p:sp>
-        <p:nvSpPr>
-          <p:cNvPr id="15" name="TextBox 14">
-            <a:extLst>
-              <a:ext uri="{FF2B5EF4-FFF2-40B4-BE49-F238E27FC236}">
-                <a16:creationId xmlns:a16="http://schemas.microsoft.com/office/drawing/2014/main" id="{7C633C88-1B3B-E58D-F255-280C4A28A263}"/>
-              </a:ext>
-            </a:extLst>
-          </p:cNvPr>
-          <p:cNvSpPr txBox="1"/>
-          <p:nvPr/>
-        </p:nvSpPr>
-        <p:spPr>
-          <a:xfrm>
-            <a:off x="7115147" y="4873408"/>
-            <a:ext cx="1883849" cy="369332"/>
-          </a:xfrm>
-          <a:prstGeom prst="rect">
-            <a:avLst/>
-          </a:prstGeom>
-          <a:noFill/>
-        </p:spPr>
-        <p:txBody>
-          <a:bodyPr wrap="none" rtlCol="0">
-            <a:spAutoFit/>
-          </a:bodyPr>
-          <a:lstStyle/>
-          <a:p>
-            <a:r>
-              <a:rPr lang="ru-RU" dirty="0"/>
-              <a:t>Окно расписания</a:t>
-            </a:r>
-          </a:p>
-        </p:txBody>
-      </p:sp>
-      <p:sp>
-        <p:nvSpPr>
-          <p:cNvPr id="16" name="TextBox 15">
-            <a:extLst>
-              <a:ext uri="{FF2B5EF4-FFF2-40B4-BE49-F238E27FC236}">
-                <a16:creationId xmlns:a16="http://schemas.microsoft.com/office/drawing/2014/main" id="{2860746D-F8D4-F498-093E-EF44671C6E4E}"/>
-              </a:ext>
-            </a:extLst>
-          </p:cNvPr>
-          <p:cNvSpPr txBox="1"/>
-          <p:nvPr/>
-        </p:nvSpPr>
-        <p:spPr>
-          <a:xfrm>
-            <a:off x="9446762" y="4873706"/>
-            <a:ext cx="1661313" cy="646331"/>
-          </a:xfrm>
-          <a:prstGeom prst="rect">
-            <a:avLst/>
-          </a:prstGeom>
-          <a:noFill/>
-        </p:spPr>
-        <p:txBody>
-          <a:bodyPr wrap="square" rtlCol="0">
-            <a:spAutoFit/>
-          </a:bodyPr>
-          <a:lstStyle/>
-          <a:p>
-            <a:pPr algn="ctr"/>
-            <a:r>
-              <a:rPr lang="ru-RU" dirty="0"/>
-              <a:t>Окно личного кабинета</a:t>
+              <a:t>Структура приложения</a:t>
             </a:r>
           </a:p>
         </p:txBody>
@@ -5419,7 +5120,7 @@
     </p:spTree>
     <p:extLst>
       <p:ext uri="{BB962C8B-B14F-4D97-AF65-F5344CB8AC3E}">
-        <p14:creationId xmlns:p14="http://schemas.microsoft.com/office/powerpoint/2010/main" val="3296981653"/>
+        <p14:creationId xmlns:p14="http://schemas.microsoft.com/office/powerpoint/2010/main" val="496592349"/>
       </p:ext>
     </p:extLst>
   </p:cSld>
@@ -5446,70 +5147,41 @@
           <a:chExt cx="0" cy="0"/>
         </a:xfrm>
       </p:grpSpPr>
-      <p:sp>
-        <p:nvSpPr>
-          <p:cNvPr id="2" name="Объект 1">
+      <p:pic>
+        <p:nvPicPr>
+          <p:cNvPr id="5" name="Объект 4">
             <a:extLst>
               <a:ext uri="{FF2B5EF4-FFF2-40B4-BE49-F238E27FC236}">
-                <a16:creationId xmlns:a16="http://schemas.microsoft.com/office/drawing/2014/main" id="{2DC2AF10-C97A-430D-9C95-38110A7681BB}"/>
+                <a16:creationId xmlns:a16="http://schemas.microsoft.com/office/drawing/2014/main" id="{09806D18-8639-F783-A368-3D692684060A}"/>
               </a:ext>
             </a:extLst>
           </p:cNvPr>
-          <p:cNvSpPr>
-            <a:spLocks noGrp="1"/>
-          </p:cNvSpPr>
+          <p:cNvPicPr>
+            <a:picLocks noGrp="1" noChangeAspect="1"/>
+          </p:cNvPicPr>
           <p:nvPr>
             <p:ph idx="1"/>
           </p:nvPr>
-        </p:nvSpPr>
-        <p:spPr/>
-        <p:txBody>
-          <a:bodyPr/>
-          <a:lstStyle/>
-          <a:p>
-            <a:pPr marL="0" indent="0">
-              <a:buNone/>
-            </a:pPr>
-            <a:r>
-              <a:rPr lang="ru-RU" dirty="0"/>
-              <a:t>Разработанная приложение позволяет достигнуть следующих эффектов</a:t>
-            </a:r>
-            <a:endParaRPr lang="en-US" dirty="0"/>
-          </a:p>
-          <a:p>
-            <a:r>
-              <a:rPr lang="ru-RU" dirty="0"/>
-              <a:t>позволяет пользователям быстро и удобно получать доступ к новостям и информации спортивного клуба;</a:t>
-            </a:r>
-          </a:p>
-          <a:p>
-            <a:r>
-              <a:rPr lang="ru-RU" dirty="0"/>
-              <a:t>позволяет пользователям вести учет и отслеживать прогресс собственных тренировок</a:t>
-            </a:r>
-          </a:p>
-          <a:p>
-            <a:r>
-              <a:rPr lang="ru-RU" dirty="0"/>
-              <a:t>разработанное </a:t>
-            </a:r>
-            <a:r>
-              <a:rPr lang="ru-RU"/>
-              <a:t>приложение обеспечивает </a:t>
-            </a:r>
-            <a:r>
-              <a:rPr lang="ru-RU" dirty="0"/>
-              <a:t>высокую скорость загрузки и отзывчивость.</a:t>
-            </a:r>
-          </a:p>
-        </p:txBody>
-      </p:sp>
+        </p:nvPicPr>
+        <p:blipFill>
+          <a:blip r:embed="rId2"/>
+          <a:stretch>
+            <a:fillRect/>
+          </a:stretch>
+        </p:blipFill>
+        <p:spPr>
+          <a:xfrm>
+            <a:off x="269506" y="1253331"/>
+            <a:ext cx="2087806" cy="3637451"/>
+          </a:xfrm>
+        </p:spPr>
+      </p:pic>
       <p:sp>
         <p:nvSpPr>
           <p:cNvPr id="3" name="Заголовок 2">
             <a:extLst>
               <a:ext uri="{FF2B5EF4-FFF2-40B4-BE49-F238E27FC236}">
-                <a16:creationId xmlns:a16="http://schemas.microsoft.com/office/drawing/2014/main" id="{3EB8BC88-C1C1-4C55-8A5F-94FBFA3D1AFA}"/>
+                <a16:creationId xmlns:a16="http://schemas.microsoft.com/office/drawing/2014/main" id="{E88FD708-C868-FBCC-6F47-BAD55446FEDB}"/>
               </a:ext>
             </a:extLst>
           </p:cNvPr>
@@ -5527,7 +5199,305 @@
           <a:p>
             <a:r>
               <a:rPr lang="ru-RU" dirty="0"/>
-              <a:t>Решение</a:t>
+              <a:t>Внешний вид приложения</a:t>
+            </a:r>
+          </a:p>
+        </p:txBody>
+      </p:sp>
+      <p:pic>
+        <p:nvPicPr>
+          <p:cNvPr id="7" name="Рисунок 6">
+            <a:extLst>
+              <a:ext uri="{FF2B5EF4-FFF2-40B4-BE49-F238E27FC236}">
+                <a16:creationId xmlns:a16="http://schemas.microsoft.com/office/drawing/2014/main" id="{575BF30D-E07E-6870-7614-FFEE6F1FDC6F}"/>
+              </a:ext>
+            </a:extLst>
+          </p:cNvPr>
+          <p:cNvPicPr>
+            <a:picLocks noChangeAspect="1"/>
+          </p:cNvPicPr>
+          <p:nvPr/>
+        </p:nvPicPr>
+        <p:blipFill>
+          <a:blip r:embed="rId3"/>
+          <a:stretch>
+            <a:fillRect/>
+          </a:stretch>
+        </p:blipFill>
+        <p:spPr>
+          <a:xfrm>
+            <a:off x="2498741" y="1236256"/>
+            <a:ext cx="2093311" cy="3637451"/>
+          </a:xfrm>
+          <a:prstGeom prst="rect">
+            <a:avLst/>
+          </a:prstGeom>
+        </p:spPr>
+      </p:pic>
+      <p:pic>
+        <p:nvPicPr>
+          <p:cNvPr id="9" name="Рисунок 8">
+            <a:extLst>
+              <a:ext uri="{FF2B5EF4-FFF2-40B4-BE49-F238E27FC236}">
+                <a16:creationId xmlns:a16="http://schemas.microsoft.com/office/drawing/2014/main" id="{308FE08B-AD44-52B9-F762-BC44851383E8}"/>
+              </a:ext>
+            </a:extLst>
+          </p:cNvPr>
+          <p:cNvPicPr>
+            <a:picLocks noChangeAspect="1"/>
+          </p:cNvPicPr>
+          <p:nvPr/>
+        </p:nvPicPr>
+        <p:blipFill>
+          <a:blip r:embed="rId4"/>
+          <a:stretch>
+            <a:fillRect/>
+          </a:stretch>
+        </p:blipFill>
+        <p:spPr>
+          <a:xfrm>
+            <a:off x="4739561" y="1236255"/>
+            <a:ext cx="2107257" cy="3637451"/>
+          </a:xfrm>
+          <a:prstGeom prst="rect">
+            <a:avLst/>
+          </a:prstGeom>
+        </p:spPr>
+      </p:pic>
+      <p:pic>
+        <p:nvPicPr>
+          <p:cNvPr id="10" name="Рисунок 9" descr="Изображение выглядит как текст, снимок экрана&#10;&#10;Автоматически созданное описание">
+            <a:extLst>
+              <a:ext uri="{FF2B5EF4-FFF2-40B4-BE49-F238E27FC236}">
+                <a16:creationId xmlns:a16="http://schemas.microsoft.com/office/drawing/2014/main" id="{FF920754-3C74-453D-BA85-F5DA8965F9D2}"/>
+              </a:ext>
+            </a:extLst>
+          </p:cNvPr>
+          <p:cNvPicPr>
+            <a:picLocks noChangeAspect="1"/>
+          </p:cNvPicPr>
+          <p:nvPr/>
+        </p:nvPicPr>
+        <p:blipFill>
+          <a:blip r:embed="rId5"/>
+          <a:stretch>
+            <a:fillRect/>
+          </a:stretch>
+        </p:blipFill>
+        <p:spPr>
+          <a:xfrm>
+            <a:off x="6994327" y="1236255"/>
+            <a:ext cx="2125491" cy="3654527"/>
+          </a:xfrm>
+          <a:prstGeom prst="rect">
+            <a:avLst/>
+          </a:prstGeom>
+        </p:spPr>
+      </p:pic>
+      <p:pic>
+        <p:nvPicPr>
+          <p:cNvPr id="11" name="Рисунок 10" descr="Изображение выглядит как текст, снимок экрана, дизайн&#10;&#10;Автоматически созданное описание">
+            <a:extLst>
+              <a:ext uri="{FF2B5EF4-FFF2-40B4-BE49-F238E27FC236}">
+                <a16:creationId xmlns:a16="http://schemas.microsoft.com/office/drawing/2014/main" id="{12E24E90-0195-F8B7-3BEC-BF1A7B8F96DA}"/>
+              </a:ext>
+            </a:extLst>
+          </p:cNvPr>
+          <p:cNvPicPr>
+            <a:picLocks noChangeAspect="1"/>
+          </p:cNvPicPr>
+          <p:nvPr/>
+        </p:nvPicPr>
+        <p:blipFill>
+          <a:blip r:embed="rId6"/>
+          <a:stretch>
+            <a:fillRect/>
+          </a:stretch>
+        </p:blipFill>
+        <p:spPr>
+          <a:xfrm>
+            <a:off x="9229068" y="1236256"/>
+            <a:ext cx="2096702" cy="3637450"/>
+          </a:xfrm>
+          <a:prstGeom prst="rect">
+            <a:avLst/>
+          </a:prstGeom>
+        </p:spPr>
+      </p:pic>
+      <p:sp>
+        <p:nvSpPr>
+          <p:cNvPr id="12" name="TextBox 11">
+            <a:extLst>
+              <a:ext uri="{FF2B5EF4-FFF2-40B4-BE49-F238E27FC236}">
+                <a16:creationId xmlns:a16="http://schemas.microsoft.com/office/drawing/2014/main" id="{BA18FE40-6607-0880-4053-504DB2C7D9BB}"/>
+              </a:ext>
+            </a:extLst>
+          </p:cNvPr>
+          <p:cNvSpPr txBox="1"/>
+          <p:nvPr/>
+        </p:nvSpPr>
+        <p:spPr>
+          <a:xfrm>
+            <a:off x="490331" y="4890782"/>
+            <a:ext cx="1646156" cy="369332"/>
+          </a:xfrm>
+          <a:prstGeom prst="rect">
+            <a:avLst/>
+          </a:prstGeom>
+          <a:noFill/>
+        </p:spPr>
+        <p:txBody>
+          <a:bodyPr wrap="none" rtlCol="0">
+            <a:spAutoFit/>
+          </a:bodyPr>
+          <a:lstStyle/>
+          <a:p>
+            <a:r>
+              <a:rPr lang="ru-RU" dirty="0"/>
+              <a:t>Окно новостей</a:t>
+            </a:r>
+          </a:p>
+        </p:txBody>
+      </p:sp>
+      <p:sp>
+        <p:nvSpPr>
+          <p:cNvPr id="13" name="TextBox 12">
+            <a:extLst>
+              <a:ext uri="{FF2B5EF4-FFF2-40B4-BE49-F238E27FC236}">
+                <a16:creationId xmlns:a16="http://schemas.microsoft.com/office/drawing/2014/main" id="{5ED45676-A099-4DC4-624E-34C405224BF3}"/>
+              </a:ext>
+            </a:extLst>
+          </p:cNvPr>
+          <p:cNvSpPr txBox="1"/>
+          <p:nvPr/>
+        </p:nvSpPr>
+        <p:spPr>
+          <a:xfrm>
+            <a:off x="2648762" y="4890782"/>
+            <a:ext cx="1799348" cy="646331"/>
+          </a:xfrm>
+          <a:prstGeom prst="rect">
+            <a:avLst/>
+          </a:prstGeom>
+          <a:noFill/>
+        </p:spPr>
+        <p:txBody>
+          <a:bodyPr wrap="square" rtlCol="0">
+            <a:spAutoFit/>
+          </a:bodyPr>
+          <a:lstStyle/>
+          <a:p>
+            <a:pPr algn="ctr"/>
+            <a:r>
+              <a:rPr lang="ru-RU" dirty="0"/>
+              <a:t>Окно записной книжки</a:t>
+            </a:r>
+          </a:p>
+        </p:txBody>
+      </p:sp>
+      <p:sp>
+        <p:nvSpPr>
+          <p:cNvPr id="14" name="TextBox 13">
+            <a:extLst>
+              <a:ext uri="{FF2B5EF4-FFF2-40B4-BE49-F238E27FC236}">
+                <a16:creationId xmlns:a16="http://schemas.microsoft.com/office/drawing/2014/main" id="{5DE4A3CE-62ED-57AC-5242-6EC613CDF48E}"/>
+              </a:ext>
+            </a:extLst>
+          </p:cNvPr>
+          <p:cNvSpPr txBox="1"/>
+          <p:nvPr/>
+        </p:nvSpPr>
+        <p:spPr>
+          <a:xfrm>
+            <a:off x="4956205" y="4873706"/>
+            <a:ext cx="1673970" cy="646331"/>
+          </a:xfrm>
+          <a:prstGeom prst="rect">
+            <a:avLst/>
+          </a:prstGeom>
+          <a:noFill/>
+        </p:spPr>
+        <p:txBody>
+          <a:bodyPr wrap="square" rtlCol="0">
+            <a:spAutoFit/>
+          </a:bodyPr>
+          <a:lstStyle/>
+          <a:p>
+            <a:pPr algn="ctr"/>
+            <a:r>
+              <a:rPr lang="ru-RU" dirty="0"/>
+              <a:t>Окно создания записей</a:t>
+            </a:r>
+          </a:p>
+        </p:txBody>
+      </p:sp>
+      <p:sp>
+        <p:nvSpPr>
+          <p:cNvPr id="15" name="TextBox 14">
+            <a:extLst>
+              <a:ext uri="{FF2B5EF4-FFF2-40B4-BE49-F238E27FC236}">
+                <a16:creationId xmlns:a16="http://schemas.microsoft.com/office/drawing/2014/main" id="{7C633C88-1B3B-E58D-F255-280C4A28A263}"/>
+              </a:ext>
+            </a:extLst>
+          </p:cNvPr>
+          <p:cNvSpPr txBox="1"/>
+          <p:nvPr/>
+        </p:nvSpPr>
+        <p:spPr>
+          <a:xfrm>
+            <a:off x="7115147" y="4873408"/>
+            <a:ext cx="1883849" cy="369332"/>
+          </a:xfrm>
+          <a:prstGeom prst="rect">
+            <a:avLst/>
+          </a:prstGeom>
+          <a:noFill/>
+        </p:spPr>
+        <p:txBody>
+          <a:bodyPr wrap="none" rtlCol="0">
+            <a:spAutoFit/>
+          </a:bodyPr>
+          <a:lstStyle/>
+          <a:p>
+            <a:r>
+              <a:rPr lang="ru-RU" dirty="0"/>
+              <a:t>Окно расписания</a:t>
+            </a:r>
+          </a:p>
+        </p:txBody>
+      </p:sp>
+      <p:sp>
+        <p:nvSpPr>
+          <p:cNvPr id="16" name="TextBox 15">
+            <a:extLst>
+              <a:ext uri="{FF2B5EF4-FFF2-40B4-BE49-F238E27FC236}">
+                <a16:creationId xmlns:a16="http://schemas.microsoft.com/office/drawing/2014/main" id="{2860746D-F8D4-F498-093E-EF44671C6E4E}"/>
+              </a:ext>
+            </a:extLst>
+          </p:cNvPr>
+          <p:cNvSpPr txBox="1"/>
+          <p:nvPr/>
+        </p:nvSpPr>
+        <p:spPr>
+          <a:xfrm>
+            <a:off x="9446762" y="4873706"/>
+            <a:ext cx="1661313" cy="646331"/>
+          </a:xfrm>
+          <a:prstGeom prst="rect">
+            <a:avLst/>
+          </a:prstGeom>
+          <a:noFill/>
+        </p:spPr>
+        <p:txBody>
+          <a:bodyPr wrap="square" rtlCol="0">
+            <a:spAutoFit/>
+          </a:bodyPr>
+          <a:lstStyle/>
+          <a:p>
+            <a:pPr algn="ctr"/>
+            <a:r>
+              <a:rPr lang="ru-RU" dirty="0"/>
+              <a:t>Окно личного кабинета</a:t>
             </a:r>
           </a:p>
         </p:txBody>
@@ -5535,7 +5505,7 @@
     </p:spTree>
     <p:extLst>
       <p:ext uri="{BB962C8B-B14F-4D97-AF65-F5344CB8AC3E}">
-        <p14:creationId xmlns:p14="http://schemas.microsoft.com/office/powerpoint/2010/main" val="1437185075"/>
+        <p14:creationId xmlns:p14="http://schemas.microsoft.com/office/powerpoint/2010/main" val="3296981653"/>
       </p:ext>
     </p:extLst>
   </p:cSld>
@@ -5564,6 +5534,415 @@
       </p:grpSpPr>
       <p:sp>
         <p:nvSpPr>
+          <p:cNvPr id="3" name="Заголовок 2">
+            <a:extLst>
+              <a:ext uri="{FF2B5EF4-FFF2-40B4-BE49-F238E27FC236}">
+                <a16:creationId xmlns:a16="http://schemas.microsoft.com/office/drawing/2014/main" id="{0F41D574-48AC-4BFC-B887-8889357DE512}"/>
+              </a:ext>
+            </a:extLst>
+          </p:cNvPr>
+          <p:cNvSpPr>
+            <a:spLocks noGrp="1"/>
+          </p:cNvSpPr>
+          <p:nvPr>
+            <p:ph type="title"/>
+          </p:nvPr>
+        </p:nvSpPr>
+        <p:spPr/>
+        <p:txBody>
+          <a:bodyPr/>
+          <a:lstStyle/>
+          <a:p>
+            <a:r>
+              <a:rPr lang="ru-RU" dirty="0"/>
+              <a:t>Тестовая среда</a:t>
+            </a:r>
+          </a:p>
+        </p:txBody>
+      </p:sp>
+      <p:sp>
+        <p:nvSpPr>
+          <p:cNvPr id="4" name="Объект 3">
+            <a:extLst>
+              <a:ext uri="{FF2B5EF4-FFF2-40B4-BE49-F238E27FC236}">
+                <a16:creationId xmlns:a16="http://schemas.microsoft.com/office/drawing/2014/main" id="{CB7F1FA3-15BB-D48E-4B02-E26506DC8735}"/>
+              </a:ext>
+            </a:extLst>
+          </p:cNvPr>
+          <p:cNvSpPr>
+            <a:spLocks noGrp="1"/>
+          </p:cNvSpPr>
+          <p:nvPr>
+            <p:ph idx="1"/>
+          </p:nvPr>
+        </p:nvSpPr>
+        <p:spPr/>
+        <p:txBody>
+          <a:bodyPr/>
+          <a:lstStyle/>
+          <a:p>
+            <a:endParaRPr lang="ru-RU" dirty="0"/>
+          </a:p>
+        </p:txBody>
+      </p:sp>
+      <p:pic>
+        <p:nvPicPr>
+          <p:cNvPr id="6" name="Рисунок 5">
+            <a:extLst>
+              <a:ext uri="{FF2B5EF4-FFF2-40B4-BE49-F238E27FC236}">
+                <a16:creationId xmlns:a16="http://schemas.microsoft.com/office/drawing/2014/main" id="{C44AE8DF-2847-FBAA-7989-528A16C3E85C}"/>
+              </a:ext>
+            </a:extLst>
+          </p:cNvPr>
+          <p:cNvPicPr>
+            <a:picLocks noChangeAspect="1"/>
+          </p:cNvPicPr>
+          <p:nvPr/>
+        </p:nvPicPr>
+        <p:blipFill>
+          <a:blip r:embed="rId2"/>
+          <a:stretch>
+            <a:fillRect/>
+          </a:stretch>
+        </p:blipFill>
+        <p:spPr>
+          <a:xfrm>
+            <a:off x="269505" y="1253331"/>
+            <a:ext cx="2529848" cy="4351338"/>
+          </a:xfrm>
+          <a:prstGeom prst="rect">
+            <a:avLst/>
+          </a:prstGeom>
+        </p:spPr>
+      </p:pic>
+      <p:pic>
+        <p:nvPicPr>
+          <p:cNvPr id="9" name="Рисунок 8">
+            <a:extLst>
+              <a:ext uri="{FF2B5EF4-FFF2-40B4-BE49-F238E27FC236}">
+                <a16:creationId xmlns:a16="http://schemas.microsoft.com/office/drawing/2014/main" id="{000492A4-E012-42E9-2210-04B58CFCCD17}"/>
+              </a:ext>
+            </a:extLst>
+          </p:cNvPr>
+          <p:cNvPicPr>
+            <a:picLocks noChangeAspect="1"/>
+          </p:cNvPicPr>
+          <p:nvPr/>
+        </p:nvPicPr>
+        <p:blipFill>
+          <a:blip r:embed="rId3"/>
+          <a:stretch>
+            <a:fillRect/>
+          </a:stretch>
+        </p:blipFill>
+        <p:spPr>
+          <a:xfrm>
+            <a:off x="3246541" y="1265598"/>
+            <a:ext cx="3759902" cy="3046343"/>
+          </a:xfrm>
+          <a:prstGeom prst="rect">
+            <a:avLst/>
+          </a:prstGeom>
+        </p:spPr>
+      </p:pic>
+      <p:pic>
+        <p:nvPicPr>
+          <p:cNvPr id="11" name="Рисунок 10">
+            <a:extLst>
+              <a:ext uri="{FF2B5EF4-FFF2-40B4-BE49-F238E27FC236}">
+                <a16:creationId xmlns:a16="http://schemas.microsoft.com/office/drawing/2014/main" id="{9C4EA7F6-9204-48B0-E3D2-9A8B71E56CE9}"/>
+              </a:ext>
+            </a:extLst>
+          </p:cNvPr>
+          <p:cNvPicPr>
+            <a:picLocks noChangeAspect="1"/>
+          </p:cNvPicPr>
+          <p:nvPr/>
+        </p:nvPicPr>
+        <p:blipFill>
+          <a:blip r:embed="rId4"/>
+          <a:stretch>
+            <a:fillRect/>
+          </a:stretch>
+        </p:blipFill>
+        <p:spPr>
+          <a:xfrm>
+            <a:off x="7240104" y="1266426"/>
+            <a:ext cx="3880034" cy="3045515"/>
+          </a:xfrm>
+          <a:prstGeom prst="rect">
+            <a:avLst/>
+          </a:prstGeom>
+        </p:spPr>
+      </p:pic>
+    </p:spTree>
+    <p:extLst>
+      <p:ext uri="{BB962C8B-B14F-4D97-AF65-F5344CB8AC3E}">
+        <p14:creationId xmlns:p14="http://schemas.microsoft.com/office/powerpoint/2010/main" val="4019053177"/>
+      </p:ext>
+    </p:extLst>
+  </p:cSld>
+  <p:clrMapOvr>
+    <a:masterClrMapping/>
+  </p:clrMapOvr>
+</p:sld>
+</file>
+
+<file path=ppt/slides/slide14.xml><?xml version="1.0" encoding="utf-8"?>
+<p:sld xmlns:a="http://schemas.openxmlformats.org/drawingml/2006/main" xmlns:r="http://schemas.openxmlformats.org/officeDocument/2006/relationships" xmlns:p="http://schemas.openxmlformats.org/presentationml/2006/main">
+  <p:cSld>
+    <p:spTree>
+      <p:nvGrpSpPr>
+        <p:cNvPr id="1" name=""/>
+        <p:cNvGrpSpPr/>
+        <p:nvPr/>
+      </p:nvGrpSpPr>
+      <p:grpSpPr>
+        <a:xfrm>
+          <a:off x="0" y="0"/>
+          <a:ext cx="0" cy="0"/>
+          <a:chOff x="0" y="0"/>
+          <a:chExt cx="0" cy="0"/>
+        </a:xfrm>
+      </p:grpSpPr>
+      <p:sp>
+        <p:nvSpPr>
+          <p:cNvPr id="2" name="Объект 1">
+            <a:extLst>
+              <a:ext uri="{FF2B5EF4-FFF2-40B4-BE49-F238E27FC236}">
+                <a16:creationId xmlns:a16="http://schemas.microsoft.com/office/drawing/2014/main" id="{2DC2AF10-C97A-430D-9C95-38110A7681BB}"/>
+              </a:ext>
+            </a:extLst>
+          </p:cNvPr>
+          <p:cNvSpPr>
+            <a:spLocks noGrp="1"/>
+          </p:cNvSpPr>
+          <p:nvPr>
+            <p:ph idx="1"/>
+          </p:nvPr>
+        </p:nvSpPr>
+        <p:spPr/>
+        <p:txBody>
+          <a:bodyPr/>
+          <a:lstStyle/>
+          <a:p>
+            <a:pPr marL="0" indent="0">
+              <a:buNone/>
+            </a:pPr>
+            <a:r>
+              <a:rPr lang="ru-RU" dirty="0"/>
+              <a:t>Разработанная приложение позволяет достигнуть следующих эффектов</a:t>
+            </a:r>
+            <a:endParaRPr lang="en-US" dirty="0"/>
+          </a:p>
+          <a:p>
+            <a:r>
+              <a:rPr lang="ru-RU" dirty="0"/>
+              <a:t>позволяет пользователям быстро и удобно получать доступ к новостям и информации спортивного клуба;</a:t>
+            </a:r>
+          </a:p>
+          <a:p>
+            <a:r>
+              <a:rPr lang="ru-RU" dirty="0"/>
+              <a:t>позволяет пользователям вести учет и отслеживать прогресс собственных тренировок</a:t>
+            </a:r>
+          </a:p>
+          <a:p>
+            <a:r>
+              <a:rPr lang="ru-RU" dirty="0"/>
+              <a:t>разработанное </a:t>
+            </a:r>
+            <a:r>
+              <a:rPr lang="ru-RU"/>
+              <a:t>приложение обеспечивает </a:t>
+            </a:r>
+            <a:r>
+              <a:rPr lang="ru-RU" dirty="0"/>
+              <a:t>высокую скорость загрузки и отзывчивость.</a:t>
+            </a:r>
+          </a:p>
+        </p:txBody>
+      </p:sp>
+      <p:sp>
+        <p:nvSpPr>
+          <p:cNvPr id="3" name="Заголовок 2">
+            <a:extLst>
+              <a:ext uri="{FF2B5EF4-FFF2-40B4-BE49-F238E27FC236}">
+                <a16:creationId xmlns:a16="http://schemas.microsoft.com/office/drawing/2014/main" id="{3EB8BC88-C1C1-4C55-8A5F-94FBFA3D1AFA}"/>
+              </a:ext>
+            </a:extLst>
+          </p:cNvPr>
+          <p:cNvSpPr>
+            <a:spLocks noGrp="1"/>
+          </p:cNvSpPr>
+          <p:nvPr>
+            <p:ph type="title"/>
+          </p:nvPr>
+        </p:nvSpPr>
+        <p:spPr/>
+        <p:txBody>
+          <a:bodyPr/>
+          <a:lstStyle/>
+          <a:p>
+            <a:r>
+              <a:rPr lang="ru-RU" dirty="0"/>
+              <a:t>Решение</a:t>
+            </a:r>
+          </a:p>
+        </p:txBody>
+      </p:sp>
+    </p:spTree>
+    <p:extLst>
+      <p:ext uri="{BB962C8B-B14F-4D97-AF65-F5344CB8AC3E}">
+        <p14:creationId xmlns:p14="http://schemas.microsoft.com/office/powerpoint/2010/main" val="1437185075"/>
+      </p:ext>
+    </p:extLst>
+  </p:cSld>
+  <p:clrMapOvr>
+    <a:masterClrMapping/>
+  </p:clrMapOvr>
+</p:sld>
+</file>
+
+<file path=ppt/slides/slide15.xml><?xml version="1.0" encoding="utf-8"?>
+<p:sld xmlns:a="http://schemas.openxmlformats.org/drawingml/2006/main" xmlns:r="http://schemas.openxmlformats.org/officeDocument/2006/relationships" xmlns:p="http://schemas.openxmlformats.org/presentationml/2006/main">
+  <p:cSld>
+    <p:spTree>
+      <p:nvGrpSpPr>
+        <p:cNvPr id="1" name=""/>
+        <p:cNvGrpSpPr/>
+        <p:nvPr/>
+      </p:nvGrpSpPr>
+      <p:grpSpPr>
+        <a:xfrm>
+          <a:off x="0" y="0"/>
+          <a:ext cx="0" cy="0"/>
+          <a:chOff x="0" y="0"/>
+          <a:chExt cx="0" cy="0"/>
+        </a:xfrm>
+      </p:grpSpPr>
+      <p:sp>
+        <p:nvSpPr>
+          <p:cNvPr id="3" name="Заголовок 2">
+            <a:extLst>
+              <a:ext uri="{FF2B5EF4-FFF2-40B4-BE49-F238E27FC236}">
+                <a16:creationId xmlns:a16="http://schemas.microsoft.com/office/drawing/2014/main" id="{1D98A4C9-BD8C-B513-5A97-7A54026C43C5}"/>
+              </a:ext>
+            </a:extLst>
+          </p:cNvPr>
+          <p:cNvSpPr>
+            <a:spLocks noGrp="1"/>
+          </p:cNvSpPr>
+          <p:nvPr>
+            <p:ph type="title"/>
+          </p:nvPr>
+        </p:nvSpPr>
+        <p:spPr/>
+        <p:txBody>
+          <a:bodyPr/>
+          <a:lstStyle/>
+          <a:p>
+            <a:r>
+              <a:rPr lang="ru-RU" dirty="0"/>
+              <a:t>Главное преимущество</a:t>
+            </a:r>
+          </a:p>
+        </p:txBody>
+      </p:sp>
+      <p:pic>
+        <p:nvPicPr>
+          <p:cNvPr id="4" name="Объект 3">
+            <a:extLst>
+              <a:ext uri="{FF2B5EF4-FFF2-40B4-BE49-F238E27FC236}">
+                <a16:creationId xmlns:a16="http://schemas.microsoft.com/office/drawing/2014/main" id="{5AA52B86-AF73-D95E-2CEC-D9758368853D}"/>
+              </a:ext>
+            </a:extLst>
+          </p:cNvPr>
+          <p:cNvPicPr>
+            <a:picLocks noGrp="1" noChangeAspect="1"/>
+          </p:cNvPicPr>
+          <p:nvPr>
+            <p:ph idx="1"/>
+          </p:nvPr>
+        </p:nvPicPr>
+        <p:blipFill>
+          <a:blip r:embed="rId2"/>
+          <a:stretch>
+            <a:fillRect/>
+          </a:stretch>
+        </p:blipFill>
+        <p:spPr>
+          <a:xfrm>
+            <a:off x="1941596" y="1859181"/>
+            <a:ext cx="2504145" cy="4351338"/>
+          </a:xfrm>
+          <a:prstGeom prst="rect">
+            <a:avLst/>
+          </a:prstGeom>
+        </p:spPr>
+      </p:pic>
+      <p:pic>
+        <p:nvPicPr>
+          <p:cNvPr id="5" name="Рисунок 4">
+            <a:extLst>
+              <a:ext uri="{FF2B5EF4-FFF2-40B4-BE49-F238E27FC236}">
+                <a16:creationId xmlns:a16="http://schemas.microsoft.com/office/drawing/2014/main" id="{B9379108-515D-F456-9531-B830C53D76F7}"/>
+              </a:ext>
+            </a:extLst>
+          </p:cNvPr>
+          <p:cNvPicPr>
+            <a:picLocks noChangeAspect="1"/>
+          </p:cNvPicPr>
+          <p:nvPr/>
+        </p:nvPicPr>
+        <p:blipFill>
+          <a:blip r:embed="rId3"/>
+          <a:stretch>
+            <a:fillRect/>
+          </a:stretch>
+        </p:blipFill>
+        <p:spPr>
+          <a:xfrm>
+            <a:off x="6568361" y="1887978"/>
+            <a:ext cx="2504145" cy="4322541"/>
+          </a:xfrm>
+          <a:prstGeom prst="rect">
+            <a:avLst/>
+          </a:prstGeom>
+        </p:spPr>
+      </p:pic>
+    </p:spTree>
+    <p:extLst>
+      <p:ext uri="{BB962C8B-B14F-4D97-AF65-F5344CB8AC3E}">
+        <p14:creationId xmlns:p14="http://schemas.microsoft.com/office/powerpoint/2010/main" val="2754793188"/>
+      </p:ext>
+    </p:extLst>
+  </p:cSld>
+  <p:clrMapOvr>
+    <a:masterClrMapping/>
+  </p:clrMapOvr>
+</p:sld>
+</file>
+
+<file path=ppt/slides/slide16.xml><?xml version="1.0" encoding="utf-8"?>
+<p:sld xmlns:a="http://schemas.openxmlformats.org/drawingml/2006/main" xmlns:r="http://schemas.openxmlformats.org/officeDocument/2006/relationships" xmlns:p="http://schemas.openxmlformats.org/presentationml/2006/main">
+  <p:cSld>
+    <p:spTree>
+      <p:nvGrpSpPr>
+        <p:cNvPr id="1" name=""/>
+        <p:cNvGrpSpPr/>
+        <p:nvPr/>
+      </p:nvGrpSpPr>
+      <p:grpSpPr>
+        <a:xfrm>
+          <a:off x="0" y="0"/>
+          <a:ext cx="0" cy="0"/>
+          <a:chOff x="0" y="0"/>
+          <a:chExt cx="0" cy="0"/>
+        </a:xfrm>
+      </p:grpSpPr>
+      <p:sp>
+        <p:nvSpPr>
           <p:cNvPr id="2" name="Объект 1">
             <a:extLst>
               <a:ext uri="{FF2B5EF4-FFF2-40B4-BE49-F238E27FC236}">
@@ -5645,7 +6024,7 @@
 </p:sld>
 </file>
 
-<file path=ppt/slides/slide14.xml><?xml version="1.0" encoding="utf-8"?>
+<file path=ppt/slides/slide17.xml><?xml version="1.0" encoding="utf-8"?>
 <p:sld xmlns:a="http://schemas.openxmlformats.org/drawingml/2006/main" xmlns:r="http://schemas.openxmlformats.org/officeDocument/2006/relationships" xmlns:p="http://schemas.openxmlformats.org/presentationml/2006/main">
   <p:cSld>
     <p:spTree>
@@ -5745,62 +6124,41 @@
           <a:chExt cx="0" cy="0"/>
         </a:xfrm>
       </p:grpSpPr>
-      <p:sp>
-        <p:nvSpPr>
-          <p:cNvPr id="2" name="Объект 1">
+      <p:pic>
+        <p:nvPicPr>
+          <p:cNvPr id="5" name="Объект 4">
             <a:extLst>
               <a:ext uri="{FF2B5EF4-FFF2-40B4-BE49-F238E27FC236}">
-                <a16:creationId xmlns:a16="http://schemas.microsoft.com/office/drawing/2014/main" id="{6035D778-E731-4189-B65A-E16408CD068E}"/>
+                <a16:creationId xmlns:a16="http://schemas.microsoft.com/office/drawing/2014/main" id="{B8355FF5-9F17-9A55-6899-9A66845DF950}"/>
               </a:ext>
             </a:extLst>
           </p:cNvPr>
-          <p:cNvSpPr>
-            <a:spLocks noGrp="1"/>
-          </p:cNvSpPr>
+          <p:cNvPicPr>
+            <a:picLocks noGrp="1" noChangeAspect="1"/>
+          </p:cNvPicPr>
           <p:nvPr>
             <p:ph idx="1"/>
           </p:nvPr>
-        </p:nvSpPr>
-        <p:spPr/>
-        <p:txBody>
-          <a:bodyPr>
-            <a:normAutofit lnSpcReduction="10000"/>
-          </a:bodyPr>
-          <a:lstStyle/>
-          <a:p>
-            <a:r>
-              <a:rPr lang="ru-RU" dirty="0"/>
-              <a:t>Объектом исследования работы является разработка мобильного приложения для фитнес-клуба.</a:t>
-            </a:r>
-          </a:p>
-          <a:p>
-            <a:r>
-              <a:rPr lang="ru-RU" dirty="0"/>
-              <a:t>Предметом исследования являются технологии, используемые для разработки приложения, включая языки программирования Python и Java, фреймворк Django, а также другие инструменты, такие как </a:t>
-            </a:r>
-            <a:r>
-              <a:rPr lang="en-US" dirty="0"/>
-              <a:t>Android Studio, SQLite</a:t>
-            </a:r>
-            <a:r>
-              <a:rPr lang="ru-RU" dirty="0"/>
-              <a:t>.</a:t>
-            </a:r>
-          </a:p>
-          <a:p>
-            <a:r>
-              <a:rPr lang="ru-RU" dirty="0"/>
-              <a:t>Цель работы состоит в разработке клиент – серверного мобильного приложения, удовлетворяющего базовые потребности клиента фитнес – клуба, и изучение преимуществ выбранных технологий</a:t>
-            </a:r>
-          </a:p>
-        </p:txBody>
-      </p:sp>
+        </p:nvPicPr>
+        <p:blipFill>
+          <a:blip r:embed="rId2"/>
+          <a:stretch>
+            <a:fillRect/>
+          </a:stretch>
+        </p:blipFill>
+        <p:spPr>
+          <a:xfrm>
+            <a:off x="4166755" y="2333244"/>
+            <a:ext cx="2854885" cy="2809208"/>
+          </a:xfrm>
+        </p:spPr>
+      </p:pic>
       <p:sp>
         <p:nvSpPr>
           <p:cNvPr id="3" name="Заголовок 2">
             <a:extLst>
               <a:ext uri="{FF2B5EF4-FFF2-40B4-BE49-F238E27FC236}">
-                <a16:creationId xmlns:a16="http://schemas.microsoft.com/office/drawing/2014/main" id="{B8245755-BC2F-4AA9-9DFF-F86D3708091E}"/>
+                <a16:creationId xmlns:a16="http://schemas.microsoft.com/office/drawing/2014/main" id="{742D8973-A1E0-C804-830E-E239EBDB20CD}"/>
               </a:ext>
             </a:extLst>
           </p:cNvPr>
@@ -5818,7 +6176,7 @@
           <a:p>
             <a:r>
               <a:rPr lang="ru-RU" dirty="0"/>
-              <a:t>Объект, предмет исследование и цель</a:t>
+              <a:t>Ссылка на исходный код</a:t>
             </a:r>
           </a:p>
         </p:txBody>
@@ -5826,7 +6184,7 @@
     </p:spTree>
     <p:extLst>
       <p:ext uri="{BB962C8B-B14F-4D97-AF65-F5344CB8AC3E}">
-        <p14:creationId xmlns:p14="http://schemas.microsoft.com/office/powerpoint/2010/main" val="522708937"/>
+        <p14:creationId xmlns:p14="http://schemas.microsoft.com/office/powerpoint/2010/main" val="2169884935"/>
       </p:ext>
     </p:extLst>
   </p:cSld>
@@ -5858,7 +6216,7 @@
           <p:cNvPr id="2" name="Объект 1">
             <a:extLst>
               <a:ext uri="{FF2B5EF4-FFF2-40B4-BE49-F238E27FC236}">
-                <a16:creationId xmlns:a16="http://schemas.microsoft.com/office/drawing/2014/main" id="{ABB32C91-34DF-2992-8FBD-D11D88B5B833}"/>
+                <a16:creationId xmlns:a16="http://schemas.microsoft.com/office/drawing/2014/main" id="{6035D778-E731-4189-B65A-E16408CD068E}"/>
               </a:ext>
             </a:extLst>
           </p:cNvPr>
@@ -5871,24 +6229,34 @@
         </p:nvSpPr>
         <p:spPr/>
         <p:txBody>
-          <a:bodyPr/>
+          <a:bodyPr>
+            <a:normAutofit lnSpcReduction="10000"/>
+          </a:bodyPr>
           <a:lstStyle/>
           <a:p>
             <a:r>
               <a:rPr lang="ru-RU" dirty="0"/>
-              <a:t>Мобильные приложения становятся необходимостью</a:t>
+              <a:t>Объектом исследования работы является разработка мобильного приложения для фитнес-клуба.</a:t>
             </a:r>
           </a:p>
           <a:p>
             <a:r>
               <a:rPr lang="ru-RU" dirty="0"/>
-              <a:t>Спорт продолжает набирать популярность</a:t>
-            </a:r>
-          </a:p>
-          <a:p>
+              <a:t>Предметом исследования являются технологии, используемые для разработки приложения, включая языки программирования Python и Java, фреймворк Django, а также другие инструменты, такие как </a:t>
+            </a:r>
+            <a:r>
+              <a:rPr lang="en-US" dirty="0"/>
+              <a:t>Android Studio, SQLite</a:t>
+            </a:r>
             <a:r>
               <a:rPr lang="ru-RU" dirty="0"/>
-              <a:t>Недостаток мобильных приложений в этой сфере на российском рынке</a:t>
+              <a:t>.</a:t>
+            </a:r>
+          </a:p>
+          <a:p>
+            <a:r>
+              <a:rPr lang="ru-RU" dirty="0"/>
+              <a:t>Цель работы состоит в разработке клиент – серверного мобильного приложения, удовлетворяющего базовые потребности клиента фитнес – клуба, и изучение преимуществ выбранных технологий</a:t>
             </a:r>
           </a:p>
         </p:txBody>
@@ -5898,7 +6266,7 @@
           <p:cNvPr id="3" name="Заголовок 2">
             <a:extLst>
               <a:ext uri="{FF2B5EF4-FFF2-40B4-BE49-F238E27FC236}">
-                <a16:creationId xmlns:a16="http://schemas.microsoft.com/office/drawing/2014/main" id="{687885DD-4A32-8CB3-9ECE-26D693837841}"/>
+                <a16:creationId xmlns:a16="http://schemas.microsoft.com/office/drawing/2014/main" id="{B8245755-BC2F-4AA9-9DFF-F86D3708091E}"/>
               </a:ext>
             </a:extLst>
           </p:cNvPr>
@@ -5916,7 +6284,7 @@
           <a:p>
             <a:r>
               <a:rPr lang="ru-RU" dirty="0"/>
-              <a:t>Анализ важности поставленной задачи</a:t>
+              <a:t>Объект, предмет исследование и цель</a:t>
             </a:r>
           </a:p>
         </p:txBody>
@@ -5924,7 +6292,7 @@
     </p:spTree>
     <p:extLst>
       <p:ext uri="{BB962C8B-B14F-4D97-AF65-F5344CB8AC3E}">
-        <p14:creationId xmlns:p14="http://schemas.microsoft.com/office/powerpoint/2010/main" val="2443456914"/>
+        <p14:creationId xmlns:p14="http://schemas.microsoft.com/office/powerpoint/2010/main" val="522708937"/>
       </p:ext>
     </p:extLst>
   </p:cSld>
@@ -5956,7 +6324,7 @@
           <p:cNvPr id="2" name="Объект 1">
             <a:extLst>
               <a:ext uri="{FF2B5EF4-FFF2-40B4-BE49-F238E27FC236}">
-                <a16:creationId xmlns:a16="http://schemas.microsoft.com/office/drawing/2014/main" id="{8963AE24-949B-4FC9-A265-9B11520978CA}"/>
+                <a16:creationId xmlns:a16="http://schemas.microsoft.com/office/drawing/2014/main" id="{ABB32C91-34DF-2992-8FBD-D11D88B5B833}"/>
               </a:ext>
             </a:extLst>
           </p:cNvPr>
@@ -5967,202 +6335,27 @@
             <p:ph idx="1"/>
           </p:nvPr>
         </p:nvSpPr>
-        <p:spPr>
-          <a:xfrm>
-            <a:off x="838200" y="1325880"/>
-            <a:ext cx="10515600" cy="4966707"/>
-          </a:xfrm>
-        </p:spPr>
-        <p:txBody>
-          <a:bodyPr>
-            <a:normAutofit/>
-          </a:bodyPr>
-          <a:lstStyle/>
-          <a:p>
-            <a:pPr marL="0" indent="0">
-              <a:buNone/>
-            </a:pPr>
-            <a:r>
-              <a:rPr lang="ru-RU" dirty="0">
-                <a:solidFill>
-                  <a:schemeClr val="tx1"/>
-                </a:solidFill>
-              </a:rPr>
-              <a:t>Функциональные возможности:</a:t>
-            </a:r>
-          </a:p>
-          <a:p>
-            <a:pPr lvl="0"/>
-            <a:r>
-              <a:rPr lang="ru-RU" dirty="0">
-                <a:solidFill>
-                  <a:schemeClr val="tx1"/>
-                </a:solidFill>
-              </a:rPr>
-              <a:t>просмотр новостей;</a:t>
-            </a:r>
-          </a:p>
-          <a:p>
-            <a:pPr lvl="0"/>
-            <a:r>
-              <a:rPr lang="ru-RU" dirty="0">
-                <a:solidFill>
-                  <a:schemeClr val="tx1"/>
-                </a:solidFill>
-              </a:rPr>
-              <a:t>просмотр истории собственных тренировок</a:t>
-            </a:r>
-            <a:r>
-              <a:rPr lang="en-US" dirty="0">
-                <a:solidFill>
-                  <a:schemeClr val="tx1"/>
-                </a:solidFill>
-              </a:rPr>
-              <a:t>;</a:t>
-            </a:r>
-            <a:endParaRPr lang="ru-RU" dirty="0">
-              <a:solidFill>
-                <a:schemeClr val="tx1"/>
-              </a:solidFill>
-            </a:endParaRPr>
-          </a:p>
-          <a:p>
-            <a:pPr lvl="0"/>
-            <a:r>
-              <a:rPr lang="ru-RU" dirty="0">
-                <a:solidFill>
-                  <a:schemeClr val="tx1"/>
-                </a:solidFill>
-              </a:rPr>
-              <a:t>добавление, редактирование тренировок</a:t>
-            </a:r>
-            <a:r>
-              <a:rPr lang="en-US" dirty="0">
-                <a:solidFill>
-                  <a:schemeClr val="tx1"/>
-                </a:solidFill>
-              </a:rPr>
-              <a:t>;</a:t>
-            </a:r>
-            <a:endParaRPr lang="ru-RU" dirty="0">
-              <a:solidFill>
-                <a:schemeClr val="tx1"/>
-              </a:solidFill>
-            </a:endParaRPr>
-          </a:p>
-          <a:p>
-            <a:pPr lvl="0"/>
-            <a:r>
-              <a:rPr lang="ru-RU" dirty="0">
-                <a:solidFill>
-                  <a:schemeClr val="tx1"/>
-                </a:solidFill>
-              </a:rPr>
-              <a:t>просмотр расписания;</a:t>
-            </a:r>
-          </a:p>
-          <a:p>
-            <a:pPr lvl="0"/>
-            <a:r>
-              <a:rPr lang="ru-RU" dirty="0">
-                <a:solidFill>
-                  <a:schemeClr val="tx1"/>
-                </a:solidFill>
-              </a:rPr>
-              <a:t>просмотр профиля.</a:t>
-            </a:r>
-          </a:p>
-          <a:p>
-            <a:pPr marL="0" indent="0">
-              <a:buNone/>
-            </a:pPr>
-            <a:r>
-              <a:rPr lang="ru-RU" dirty="0">
-                <a:solidFill>
-                  <a:schemeClr val="tx1"/>
-                </a:solidFill>
-              </a:rPr>
-              <a:t>Инструментальные средства разработки: </a:t>
-            </a:r>
-            <a:r>
-              <a:rPr lang="en-US" dirty="0">
-                <a:solidFill>
-                  <a:schemeClr val="tx1"/>
-                </a:solidFill>
-              </a:rPr>
-              <a:t>Java, Python</a:t>
-            </a:r>
-            <a:r>
-              <a:rPr lang="ru-RU" dirty="0">
-                <a:solidFill>
-                  <a:schemeClr val="tx1"/>
-                </a:solidFill>
-              </a:rPr>
-              <a:t>.</a:t>
-            </a:r>
-          </a:p>
-          <a:p>
-            <a:pPr marL="0" indent="0">
-              <a:buNone/>
-            </a:pPr>
-            <a:r>
-              <a:rPr lang="ru-RU" dirty="0">
-                <a:solidFill>
-                  <a:schemeClr val="tx1"/>
-                </a:solidFill>
-              </a:rPr>
-              <a:t>Библиотеки</a:t>
-            </a:r>
-            <a:r>
-              <a:rPr lang="en-US" dirty="0">
-                <a:solidFill>
-                  <a:schemeClr val="tx1"/>
-                </a:solidFill>
-              </a:rPr>
-              <a:t>: Django, Django REST, Volley </a:t>
-            </a:r>
-            <a:r>
-              <a:rPr lang="ru-RU" dirty="0">
-                <a:solidFill>
-                  <a:schemeClr val="tx1"/>
-                </a:solidFill>
-              </a:rPr>
-              <a:t>и т.д.</a:t>
-            </a:r>
-          </a:p>
-          <a:p>
-            <a:pPr marL="0" indent="0">
-              <a:buNone/>
-            </a:pPr>
-            <a:r>
-              <a:rPr lang="ru-RU" dirty="0">
-                <a:solidFill>
-                  <a:schemeClr val="tx1"/>
-                </a:solidFill>
-              </a:rPr>
-              <a:t>Фреймворки</a:t>
-            </a:r>
-            <a:r>
-              <a:rPr lang="en-US">
-                <a:solidFill>
-                  <a:schemeClr val="tx1"/>
-                </a:solidFill>
-              </a:rPr>
-              <a:t>: Django</a:t>
-            </a:r>
-            <a:r>
-              <a:rPr lang="en-US" dirty="0">
-                <a:solidFill>
-                  <a:schemeClr val="tx1"/>
-                </a:solidFill>
-              </a:rPr>
-              <a:t>.</a:t>
-            </a:r>
-            <a:endParaRPr lang="ru-RU" dirty="0"/>
-          </a:p>
-          <a:p>
-            <a:pPr lvl="0"/>
-            <a:endParaRPr lang="ru-RU" dirty="0"/>
+        <p:spPr/>
+        <p:txBody>
+          <a:bodyPr/>
+          <a:lstStyle/>
+          <a:p>
+            <a:r>
+              <a:rPr lang="ru-RU" dirty="0"/>
+              <a:t>Мобильные приложения становятся необходимостью</a:t>
+            </a:r>
+          </a:p>
+          <a:p>
+            <a:r>
+              <a:rPr lang="ru-RU" dirty="0"/>
+              <a:t>Спорт продолжает набирать популярность</a:t>
+            </a:r>
+          </a:p>
+          <a:p>
+            <a:r>
+              <a:rPr lang="ru-RU" dirty="0"/>
+              <a:t>Недостаток мобильных приложений в этой сфере на российском рынке</a:t>
+            </a:r>
           </a:p>
         </p:txBody>
       </p:sp>
@@ -6171,7 +6364,7 @@
           <p:cNvPr id="3" name="Заголовок 2">
             <a:extLst>
               <a:ext uri="{FF2B5EF4-FFF2-40B4-BE49-F238E27FC236}">
-                <a16:creationId xmlns:a16="http://schemas.microsoft.com/office/drawing/2014/main" id="{E94E042B-BE44-4940-869A-502BA3C1EA14}"/>
+                <a16:creationId xmlns:a16="http://schemas.microsoft.com/office/drawing/2014/main" id="{687885DD-4A32-8CB3-9ECE-26D693837841}"/>
               </a:ext>
             </a:extLst>
           </p:cNvPr>
@@ -6189,7 +6382,7 @@
           <a:p>
             <a:r>
               <a:rPr lang="ru-RU" dirty="0"/>
-              <a:t>Структура приложения</a:t>
+              <a:t>Анализ важности поставленной задачи</a:t>
             </a:r>
           </a:p>
         </p:txBody>
@@ -6197,7 +6390,7 @@
     </p:spTree>
     <p:extLst>
       <p:ext uri="{BB962C8B-B14F-4D97-AF65-F5344CB8AC3E}">
-        <p14:creationId xmlns:p14="http://schemas.microsoft.com/office/powerpoint/2010/main" val="58726879"/>
+        <p14:creationId xmlns:p14="http://schemas.microsoft.com/office/powerpoint/2010/main" val="2443456914"/>
       </p:ext>
     </p:extLst>
   </p:cSld>
@@ -6229,7 +6422,7 @@
           <p:cNvPr id="3" name="Заголовок 2">
             <a:extLst>
               <a:ext uri="{FF2B5EF4-FFF2-40B4-BE49-F238E27FC236}">
-                <a16:creationId xmlns:a16="http://schemas.microsoft.com/office/drawing/2014/main" id="{0398885A-EFD9-2E43-FB1E-98ABA8A61280}"/>
+                <a16:creationId xmlns:a16="http://schemas.microsoft.com/office/drawing/2014/main" id="{0F41D574-48AC-4BFC-B887-8889357DE512}"/>
               </a:ext>
             </a:extLst>
           </p:cNvPr>
@@ -6247,17 +6440,17 @@
           <a:p>
             <a:r>
               <a:rPr lang="ru-RU" dirty="0"/>
-              <a:t>Клиент-серверная архитектура</a:t>
+              <a:t>Приложения</a:t>
             </a:r>
           </a:p>
         </p:txBody>
       </p:sp>
       <p:pic>
         <p:nvPicPr>
-          <p:cNvPr id="4" name="Объект 3" descr="Архитектура «Клиент-Сервер»">
+          <p:cNvPr id="7" name="Объект 6" descr="Изображение выглядит как текст, Человеческое лицо, снимок экрана, Веб-сайт&#10;&#10;Автоматически созданное описание">
             <a:extLst>
               <a:ext uri="{FF2B5EF4-FFF2-40B4-BE49-F238E27FC236}">
-                <a16:creationId xmlns:a16="http://schemas.microsoft.com/office/drawing/2014/main" id="{3548C191-5D2C-5AB2-1478-76E0B42C2554}"/>
+                <a16:creationId xmlns:a16="http://schemas.microsoft.com/office/drawing/2014/main" id="{8B2976B7-8454-4145-10C0-8F714A481380}"/>
               </a:ext>
             </a:extLst>
           </p:cNvPr>
@@ -6269,36 +6462,100 @@
           </p:nvPr>
         </p:nvPicPr>
         <p:blipFill>
-          <a:blip r:embed="rId2">
+          <a:blip r:embed="rId2" cstate="print">
             <a:extLst>
               <a:ext uri="{28A0092B-C50C-407E-A947-70E740481C1C}">
                 <a14:useLocalDpi xmlns:a14="http://schemas.microsoft.com/office/drawing/2010/main" val="0"/>
               </a:ext>
             </a:extLst>
           </a:blip>
-          <a:srcRect/>
           <a:stretch>
             <a:fillRect/>
           </a:stretch>
         </p:blipFill>
-        <p:spPr bwMode="auto">
-          <a:xfrm>
-            <a:off x="3416463" y="1238562"/>
-            <a:ext cx="4097858" cy="5054025"/>
+        <p:spPr>
+          <a:xfrm>
+            <a:off x="4509746" y="1825625"/>
+            <a:ext cx="2065162" cy="4351338"/>
+          </a:xfrm>
+        </p:spPr>
+      </p:pic>
+      <p:pic>
+        <p:nvPicPr>
+          <p:cNvPr id="6" name="Рисунок 5" descr="Изображение выглядит как Мобильный телефон, Устройство связи, Мобильное устройство, Портативное устройство связи&#10;&#10;Автоматически созданное описание">
+            <a:extLst>
+              <a:ext uri="{FF2B5EF4-FFF2-40B4-BE49-F238E27FC236}">
+                <a16:creationId xmlns:a16="http://schemas.microsoft.com/office/drawing/2014/main" id="{A59D5642-7BC6-596E-6C8E-1BC192904EAB}"/>
+              </a:ext>
+            </a:extLst>
+          </p:cNvPr>
+          <p:cNvPicPr>
+            <a:picLocks noChangeAspect="1"/>
+          </p:cNvPicPr>
+          <p:nvPr/>
+        </p:nvPicPr>
+        <p:blipFill>
+          <a:blip r:embed="rId3">
+            <a:extLst>
+              <a:ext uri="{28A0092B-C50C-407E-A947-70E740481C1C}">
+                <a14:useLocalDpi xmlns:a14="http://schemas.microsoft.com/office/drawing/2010/main" val="0"/>
+              </a:ext>
+            </a:extLst>
+          </a:blip>
+          <a:stretch>
+            <a:fillRect/>
+          </a:stretch>
+        </p:blipFill>
+        <p:spPr>
+          <a:xfrm>
+            <a:off x="1551963" y="1825625"/>
+            <a:ext cx="2439883" cy="4351338"/>
           </a:xfrm>
           <a:prstGeom prst="rect">
             <a:avLst/>
           </a:prstGeom>
-          <a:noFill/>
-          <a:ln>
-            <a:noFill/>
-          </a:ln>
+        </p:spPr>
+      </p:pic>
+      <p:pic>
+        <p:nvPicPr>
+          <p:cNvPr id="9" name="Рисунок 8" descr="Изображение выглядит как текст, снимок экрана, Мобильное устройство, Устройство связи&#10;&#10;Автоматически созданное описание">
+            <a:extLst>
+              <a:ext uri="{FF2B5EF4-FFF2-40B4-BE49-F238E27FC236}">
+                <a16:creationId xmlns:a16="http://schemas.microsoft.com/office/drawing/2014/main" id="{46D3A399-BD88-0E62-667E-522B9B6B31C0}"/>
+              </a:ext>
+            </a:extLst>
+          </p:cNvPr>
+          <p:cNvPicPr>
+            <a:picLocks noChangeAspect="1"/>
+          </p:cNvPicPr>
+          <p:nvPr/>
+        </p:nvPicPr>
+        <p:blipFill>
+          <a:blip r:embed="rId4">
+            <a:extLst>
+              <a:ext uri="{28A0092B-C50C-407E-A947-70E740481C1C}">
+                <a14:useLocalDpi xmlns:a14="http://schemas.microsoft.com/office/drawing/2010/main" val="0"/>
+              </a:ext>
+            </a:extLst>
+          </a:blip>
+          <a:stretch>
+            <a:fillRect/>
+          </a:stretch>
+        </p:blipFill>
+        <p:spPr>
+          <a:xfrm>
+            <a:off x="6839162" y="1825624"/>
+            <a:ext cx="2783010" cy="4818903"/>
+          </a:xfrm>
+          <a:prstGeom prst="rect">
+            <a:avLst/>
+          </a:prstGeom>
         </p:spPr>
       </p:pic>
     </p:spTree>
     <p:extLst>
       <p:ext uri="{BB962C8B-B14F-4D97-AF65-F5344CB8AC3E}">
-        <p14:creationId xmlns:p14="http://schemas.microsoft.com/office/powerpoint/2010/main" val="3041107407"/>
+        <p14:creationId xmlns:p14="http://schemas.microsoft.com/office/powerpoint/2010/main" val="3416426981"/>
       </p:ext>
     </p:extLst>
   </p:cSld>
@@ -6327,10 +6584,225 @@
       </p:grpSpPr>
       <p:sp>
         <p:nvSpPr>
+          <p:cNvPr id="2" name="Объект 1">
+            <a:extLst>
+              <a:ext uri="{FF2B5EF4-FFF2-40B4-BE49-F238E27FC236}">
+                <a16:creationId xmlns:a16="http://schemas.microsoft.com/office/drawing/2014/main" id="{8963AE24-949B-4FC9-A265-9B11520978CA}"/>
+              </a:ext>
+            </a:extLst>
+          </p:cNvPr>
+          <p:cNvSpPr>
+            <a:spLocks noGrp="1"/>
+          </p:cNvSpPr>
+          <p:nvPr>
+            <p:ph idx="1"/>
+          </p:nvPr>
+        </p:nvSpPr>
+        <p:spPr>
+          <a:xfrm>
+            <a:off x="838200" y="1325880"/>
+            <a:ext cx="10515600" cy="4966707"/>
+          </a:xfrm>
+        </p:spPr>
+        <p:txBody>
+          <a:bodyPr>
+            <a:normAutofit/>
+          </a:bodyPr>
+          <a:lstStyle/>
+          <a:p>
+            <a:pPr marL="0" indent="0">
+              <a:buNone/>
+            </a:pPr>
+            <a:r>
+              <a:rPr lang="ru-RU" dirty="0">
+                <a:solidFill>
+                  <a:schemeClr val="tx1"/>
+                </a:solidFill>
+              </a:rPr>
+              <a:t>Функциональные возможности:</a:t>
+            </a:r>
+          </a:p>
+          <a:p>
+            <a:pPr lvl="0"/>
+            <a:r>
+              <a:rPr lang="ru-RU" dirty="0">
+                <a:solidFill>
+                  <a:schemeClr val="tx1"/>
+                </a:solidFill>
+              </a:rPr>
+              <a:t>просмотр новостей;</a:t>
+            </a:r>
+          </a:p>
+          <a:p>
+            <a:pPr lvl="0"/>
+            <a:r>
+              <a:rPr lang="ru-RU" dirty="0">
+                <a:solidFill>
+                  <a:schemeClr val="tx1"/>
+                </a:solidFill>
+              </a:rPr>
+              <a:t>просмотр истории собственных тренировок</a:t>
+            </a:r>
+            <a:r>
+              <a:rPr lang="en-US" dirty="0">
+                <a:solidFill>
+                  <a:schemeClr val="tx1"/>
+                </a:solidFill>
+              </a:rPr>
+              <a:t>;</a:t>
+            </a:r>
+            <a:endParaRPr lang="ru-RU" dirty="0">
+              <a:solidFill>
+                <a:schemeClr val="tx1"/>
+              </a:solidFill>
+            </a:endParaRPr>
+          </a:p>
+          <a:p>
+            <a:pPr lvl="0"/>
+            <a:r>
+              <a:rPr lang="ru-RU" dirty="0">
+                <a:solidFill>
+                  <a:schemeClr val="tx1"/>
+                </a:solidFill>
+              </a:rPr>
+              <a:t>добавление, редактирование тренировок</a:t>
+            </a:r>
+            <a:r>
+              <a:rPr lang="en-US" dirty="0">
+                <a:solidFill>
+                  <a:schemeClr val="tx1"/>
+                </a:solidFill>
+              </a:rPr>
+              <a:t>;</a:t>
+            </a:r>
+            <a:endParaRPr lang="ru-RU" dirty="0">
+              <a:solidFill>
+                <a:schemeClr val="tx1"/>
+              </a:solidFill>
+            </a:endParaRPr>
+          </a:p>
+          <a:p>
+            <a:pPr lvl="0"/>
+            <a:r>
+              <a:rPr lang="ru-RU" dirty="0">
+                <a:solidFill>
+                  <a:schemeClr val="tx1"/>
+                </a:solidFill>
+              </a:rPr>
+              <a:t>просмотр расписания;</a:t>
+            </a:r>
+          </a:p>
+          <a:p>
+            <a:pPr lvl="0"/>
+            <a:r>
+              <a:rPr lang="ru-RU" dirty="0">
+                <a:solidFill>
+                  <a:schemeClr val="tx1"/>
+                </a:solidFill>
+              </a:rPr>
+              <a:t>просмотр профиля.</a:t>
+            </a:r>
+          </a:p>
+          <a:p>
+            <a:pPr marL="0" indent="0">
+              <a:buNone/>
+            </a:pPr>
+            <a:r>
+              <a:rPr lang="ru-RU" dirty="0">
+                <a:solidFill>
+                  <a:schemeClr val="tx1"/>
+                </a:solidFill>
+              </a:rPr>
+              <a:t>Инструментальные средства разработки: </a:t>
+            </a:r>
+            <a:r>
+              <a:rPr lang="en-US" dirty="0">
+                <a:solidFill>
+                  <a:schemeClr val="tx1"/>
+                </a:solidFill>
+              </a:rPr>
+              <a:t>Java, Python</a:t>
+            </a:r>
+            <a:r>
+              <a:rPr lang="ru-RU" dirty="0">
+                <a:solidFill>
+                  <a:schemeClr val="tx1"/>
+                </a:solidFill>
+              </a:rPr>
+              <a:t>.</a:t>
+            </a:r>
+          </a:p>
+          <a:p>
+            <a:pPr marL="0" indent="0">
+              <a:buNone/>
+            </a:pPr>
+            <a:r>
+              <a:rPr lang="ru-RU" dirty="0">
+                <a:solidFill>
+                  <a:schemeClr val="tx1"/>
+                </a:solidFill>
+              </a:rPr>
+              <a:t>Библиотеки</a:t>
+            </a:r>
+            <a:r>
+              <a:rPr lang="en-US" dirty="0">
+                <a:solidFill>
+                  <a:schemeClr val="tx1"/>
+                </a:solidFill>
+              </a:rPr>
+              <a:t>: Django, Django REST, Volley </a:t>
+            </a:r>
+            <a:r>
+              <a:rPr lang="ru-RU" dirty="0">
+                <a:solidFill>
+                  <a:schemeClr val="tx1"/>
+                </a:solidFill>
+              </a:rPr>
+              <a:t>и т.д.</a:t>
+            </a:r>
+          </a:p>
+          <a:p>
+            <a:pPr marL="0" indent="0">
+              <a:buNone/>
+            </a:pPr>
+            <a:r>
+              <a:rPr lang="ru-RU" dirty="0">
+                <a:solidFill>
+                  <a:schemeClr val="tx1"/>
+                </a:solidFill>
+              </a:rPr>
+              <a:t>Фреймворки</a:t>
+            </a:r>
+            <a:r>
+              <a:rPr lang="en-US">
+                <a:solidFill>
+                  <a:schemeClr val="tx1"/>
+                </a:solidFill>
+              </a:rPr>
+              <a:t>: Django</a:t>
+            </a:r>
+            <a:r>
+              <a:rPr lang="en-US" dirty="0">
+                <a:solidFill>
+                  <a:schemeClr val="tx1"/>
+                </a:solidFill>
+              </a:rPr>
+              <a:t>.</a:t>
+            </a:r>
+            <a:endParaRPr lang="ru-RU" dirty="0"/>
+          </a:p>
+          <a:p>
+            <a:pPr lvl="0"/>
+            <a:endParaRPr lang="ru-RU" dirty="0"/>
+          </a:p>
+        </p:txBody>
+      </p:sp>
+      <p:sp>
+        <p:nvSpPr>
           <p:cNvPr id="3" name="Заголовок 2">
             <a:extLst>
               <a:ext uri="{FF2B5EF4-FFF2-40B4-BE49-F238E27FC236}">
-                <a16:creationId xmlns:a16="http://schemas.microsoft.com/office/drawing/2014/main" id="{0F41D574-48AC-4BFC-B887-8889357DE512}"/>
+                <a16:creationId xmlns:a16="http://schemas.microsoft.com/office/drawing/2014/main" id="{E94E042B-BE44-4940-869A-502BA3C1EA14}"/>
               </a:ext>
             </a:extLst>
           </p:cNvPr>
@@ -6348,50 +6820,15 @@
           <a:p>
             <a:r>
               <a:rPr lang="ru-RU" dirty="0"/>
-              <a:t>Приложения</a:t>
-            </a:r>
-          </a:p>
-        </p:txBody>
-      </p:sp>
-      <p:pic>
-        <p:nvPicPr>
-          <p:cNvPr id="7" name="Объект 6" descr="Изображение выглядит как текст, Человеческое лицо, снимок экрана, Веб-сайт&#10;&#10;Автоматически созданное описание">
-            <a:extLst>
-              <a:ext uri="{FF2B5EF4-FFF2-40B4-BE49-F238E27FC236}">
-                <a16:creationId xmlns:a16="http://schemas.microsoft.com/office/drawing/2014/main" id="{8B2976B7-8454-4145-10C0-8F714A481380}"/>
-              </a:ext>
-            </a:extLst>
-          </p:cNvPr>
-          <p:cNvPicPr>
-            <a:picLocks noGrp="1" noChangeAspect="1"/>
-          </p:cNvPicPr>
-          <p:nvPr>
-            <p:ph idx="1"/>
-          </p:nvPr>
-        </p:nvPicPr>
-        <p:blipFill>
-          <a:blip r:embed="rId2" cstate="print">
-            <a:extLst>
-              <a:ext uri="{28A0092B-C50C-407E-A947-70E740481C1C}">
-                <a14:useLocalDpi xmlns:a14="http://schemas.microsoft.com/office/drawing/2010/main" val="0"/>
-              </a:ext>
-            </a:extLst>
-          </a:blip>
-          <a:stretch>
-            <a:fillRect/>
-          </a:stretch>
-        </p:blipFill>
-        <p:spPr>
-          <a:xfrm>
-            <a:off x="5063419" y="1825625"/>
-            <a:ext cx="2065162" cy="4351338"/>
-          </a:xfrm>
-        </p:spPr>
-      </p:pic>
+              <a:t>Структура приложения</a:t>
+            </a:r>
+          </a:p>
+        </p:txBody>
+      </p:sp>
     </p:spTree>
     <p:extLst>
       <p:ext uri="{BB962C8B-B14F-4D97-AF65-F5344CB8AC3E}">
-        <p14:creationId xmlns:p14="http://schemas.microsoft.com/office/powerpoint/2010/main" val="3416426981"/>
+        <p14:creationId xmlns:p14="http://schemas.microsoft.com/office/powerpoint/2010/main" val="58726879"/>
       </p:ext>
     </p:extLst>
   </p:cSld>
@@ -6423,7 +6860,7 @@
           <p:cNvPr id="3" name="Заголовок 2">
             <a:extLst>
               <a:ext uri="{FF2B5EF4-FFF2-40B4-BE49-F238E27FC236}">
-                <a16:creationId xmlns:a16="http://schemas.microsoft.com/office/drawing/2014/main" id="{0F41D574-48AC-4BFC-B887-8889357DE512}"/>
+                <a16:creationId xmlns:a16="http://schemas.microsoft.com/office/drawing/2014/main" id="{0398885A-EFD9-2E43-FB1E-98ABA8A61280}"/>
               </a:ext>
             </a:extLst>
           </p:cNvPr>
@@ -6440,19 +6877,18 @@
           <a:lstStyle/>
           <a:p>
             <a:r>
-              <a:rPr lang="ru-RU" dirty="0" err="1"/>
-              <a:t>Фронтенд</a:t>
-            </a:r>
-            <a:endParaRPr lang="ru-RU" dirty="0"/>
+              <a:rPr lang="ru-RU" dirty="0"/>
+              <a:t>Клиент-серверная архитектура</a:t>
+            </a:r>
           </a:p>
         </p:txBody>
       </p:sp>
       <p:pic>
         <p:nvPicPr>
-          <p:cNvPr id="6" name="Объект 5" descr="Изображение выглядит как Шрифт, Графика, текст, логотип&#10;&#10;Автоматически созданное описание">
+          <p:cNvPr id="4" name="Объект 3" descr="Архитектура «Клиент-Сервер»">
             <a:extLst>
               <a:ext uri="{FF2B5EF4-FFF2-40B4-BE49-F238E27FC236}">
-                <a16:creationId xmlns:a16="http://schemas.microsoft.com/office/drawing/2014/main" id="{B5B9E9E7-F0DA-A283-956A-B24200485492}"/>
+                <a16:creationId xmlns:a16="http://schemas.microsoft.com/office/drawing/2014/main" id="{3548C191-5D2C-5AB2-1478-76E0B42C2554}"/>
               </a:ext>
             </a:extLst>
           </p:cNvPr>
@@ -6471,57 +6907,29 @@
               </a:ext>
             </a:extLst>
           </a:blip>
+          <a:srcRect/>
           <a:stretch>
             <a:fillRect/>
           </a:stretch>
         </p:blipFill>
-        <p:spPr>
-          <a:xfrm>
-            <a:off x="269505" y="1253331"/>
-            <a:ext cx="5030283" cy="2515142"/>
-          </a:xfrm>
-        </p:spPr>
-      </p:pic>
-      <p:pic>
-        <p:nvPicPr>
-          <p:cNvPr id="10" name="Рисунок 9" descr="Изображение выглядит как Графика, Шрифт, логотип, графическая вставка&#10;&#10;Автоматически созданное описание">
-            <a:extLst>
-              <a:ext uri="{FF2B5EF4-FFF2-40B4-BE49-F238E27FC236}">
-                <a16:creationId xmlns:a16="http://schemas.microsoft.com/office/drawing/2014/main" id="{EDE8B48D-8D69-1FBD-06AD-81FB0DB30FE0}"/>
-              </a:ext>
-            </a:extLst>
-          </p:cNvPr>
-          <p:cNvPicPr>
-            <a:picLocks noChangeAspect="1"/>
-          </p:cNvPicPr>
-          <p:nvPr/>
-        </p:nvPicPr>
-        <p:blipFill>
-          <a:blip r:embed="rId3">
-            <a:extLst>
-              <a:ext uri="{28A0092B-C50C-407E-A947-70E740481C1C}">
-                <a14:useLocalDpi xmlns:a14="http://schemas.microsoft.com/office/drawing/2010/main" val="0"/>
-              </a:ext>
-            </a:extLst>
-          </a:blip>
-          <a:stretch>
-            <a:fillRect/>
-          </a:stretch>
-        </p:blipFill>
-        <p:spPr>
-          <a:xfrm>
-            <a:off x="6214409" y="3013788"/>
-            <a:ext cx="4446871" cy="3278799"/>
+        <p:spPr bwMode="auto">
+          <a:xfrm>
+            <a:off x="3416463" y="1238562"/>
+            <a:ext cx="4097858" cy="5054025"/>
           </a:xfrm>
           <a:prstGeom prst="rect">
             <a:avLst/>
           </a:prstGeom>
+          <a:noFill/>
+          <a:ln>
+            <a:noFill/>
+          </a:ln>
         </p:spPr>
       </p:pic>
     </p:spTree>
     <p:extLst>
       <p:ext uri="{BB962C8B-B14F-4D97-AF65-F5344CB8AC3E}">
-        <p14:creationId xmlns:p14="http://schemas.microsoft.com/office/powerpoint/2010/main" val="2681824232"/>
+        <p14:creationId xmlns:p14="http://schemas.microsoft.com/office/powerpoint/2010/main" val="3041107407"/>
       </p:ext>
     </p:extLst>
   </p:cSld>
@@ -6548,12 +6956,41 @@
           <a:chExt cx="0" cy="0"/>
         </a:xfrm>
       </p:grpSpPr>
+      <p:sp>
+        <p:nvSpPr>
+          <p:cNvPr id="3" name="Заголовок 2">
+            <a:extLst>
+              <a:ext uri="{FF2B5EF4-FFF2-40B4-BE49-F238E27FC236}">
+                <a16:creationId xmlns:a16="http://schemas.microsoft.com/office/drawing/2014/main" id="{0F41D574-48AC-4BFC-B887-8889357DE512}"/>
+              </a:ext>
+            </a:extLst>
+          </p:cNvPr>
+          <p:cNvSpPr>
+            <a:spLocks noGrp="1"/>
+          </p:cNvSpPr>
+          <p:nvPr>
+            <p:ph type="title"/>
+          </p:nvPr>
+        </p:nvSpPr>
+        <p:spPr/>
+        <p:txBody>
+          <a:bodyPr/>
+          <a:lstStyle/>
+          <a:p>
+            <a:r>
+              <a:rPr lang="ru-RU" dirty="0" err="1"/>
+              <a:t>Бекенд</a:t>
+            </a:r>
+            <a:endParaRPr lang="ru-RU" dirty="0"/>
+          </a:p>
+        </p:txBody>
+      </p:sp>
       <p:pic>
         <p:nvPicPr>
-          <p:cNvPr id="5" name="Объект 4" descr="Изображение выглядит как Шрифт, Графика, каллиграфия, типография&#10;&#10;Автоматически созданное описание">
+          <p:cNvPr id="8" name="Объект 7">
             <a:extLst>
               <a:ext uri="{FF2B5EF4-FFF2-40B4-BE49-F238E27FC236}">
-                <a16:creationId xmlns:a16="http://schemas.microsoft.com/office/drawing/2014/main" id="{409B58A5-9A04-B267-AEFF-86BB278F226D}"/>
+                <a16:creationId xmlns:a16="http://schemas.microsoft.com/office/drawing/2014/main" id="{CCDC53D8-D534-545A-55B7-CFAC9631245B}"/>
               </a:ext>
             </a:extLst>
           </p:cNvPr>
@@ -6565,56 +7002,22 @@
           </p:nvPr>
         </p:nvPicPr>
         <p:blipFill>
-          <a:blip r:embed="rId2">
-            <a:extLst>
-              <a:ext uri="{28A0092B-C50C-407E-A947-70E740481C1C}">
-                <a14:useLocalDpi xmlns:a14="http://schemas.microsoft.com/office/drawing/2010/main" val="0"/>
-              </a:ext>
-            </a:extLst>
-          </a:blip>
+          <a:blip r:embed="rId2"/>
           <a:stretch>
             <a:fillRect/>
           </a:stretch>
         </p:blipFill>
         <p:spPr>
           <a:xfrm>
-            <a:off x="3690477" y="2094374"/>
-            <a:ext cx="4811045" cy="2669251"/>
+            <a:off x="269505" y="1253330"/>
+            <a:ext cx="9230000" cy="4744797"/>
           </a:xfrm>
         </p:spPr>
       </p:pic>
-      <p:sp>
-        <p:nvSpPr>
-          <p:cNvPr id="3" name="Заголовок 2">
-            <a:extLst>
-              <a:ext uri="{FF2B5EF4-FFF2-40B4-BE49-F238E27FC236}">
-                <a16:creationId xmlns:a16="http://schemas.microsoft.com/office/drawing/2014/main" id="{EDD65D01-299E-2ED9-7D6E-DC6E1F0A0132}"/>
-              </a:ext>
-            </a:extLst>
-          </p:cNvPr>
-          <p:cNvSpPr>
-            <a:spLocks noGrp="1"/>
-          </p:cNvSpPr>
-          <p:nvPr>
-            <p:ph type="title"/>
-          </p:nvPr>
-        </p:nvSpPr>
-        <p:spPr/>
-        <p:txBody>
-          <a:bodyPr/>
-          <a:lstStyle/>
-          <a:p>
-            <a:r>
-              <a:rPr lang="ru-RU" dirty="0"/>
-              <a:t>База данных</a:t>
-            </a:r>
-          </a:p>
-        </p:txBody>
-      </p:sp>
     </p:spTree>
     <p:extLst>
       <p:ext uri="{BB962C8B-B14F-4D97-AF65-F5344CB8AC3E}">
-        <p14:creationId xmlns:p14="http://schemas.microsoft.com/office/powerpoint/2010/main" val="365078947"/>
+        <p14:creationId xmlns:p14="http://schemas.microsoft.com/office/powerpoint/2010/main" val="2275337107"/>
       </p:ext>
     </p:extLst>
   </p:cSld>
@@ -6646,7 +7049,7 @@
           <p:cNvPr id="3" name="Заголовок 2">
             <a:extLst>
               <a:ext uri="{FF2B5EF4-FFF2-40B4-BE49-F238E27FC236}">
-                <a16:creationId xmlns:a16="http://schemas.microsoft.com/office/drawing/2014/main" id="{0F41D574-48AC-4BFC-B887-8889357DE512}"/>
+                <a16:creationId xmlns:a16="http://schemas.microsoft.com/office/drawing/2014/main" id="{EDD65D01-299E-2ED9-7D6E-DC6E1F0A0132}"/>
               </a:ext>
             </a:extLst>
           </p:cNvPr>
@@ -6663,19 +7066,18 @@
           <a:lstStyle/>
           <a:p>
             <a:r>
-              <a:rPr lang="ru-RU" dirty="0" err="1"/>
-              <a:t>Бекенд</a:t>
-            </a:r>
-            <a:endParaRPr lang="ru-RU" dirty="0"/>
+              <a:rPr lang="ru-RU" dirty="0"/>
+              <a:t>Схема базы данных</a:t>
+            </a:r>
           </a:p>
         </p:txBody>
       </p:sp>
       <p:pic>
         <p:nvPicPr>
-          <p:cNvPr id="5" name="Объект 4" descr="Изображение выглядит как Шрифт, логотип, Графика, символ&#10;&#10;Автоматически созданное описание">
+          <p:cNvPr id="15" name="Объект 14">
             <a:extLst>
               <a:ext uri="{FF2B5EF4-FFF2-40B4-BE49-F238E27FC236}">
-                <a16:creationId xmlns:a16="http://schemas.microsoft.com/office/drawing/2014/main" id="{1DD2FCDE-70B7-058E-20AA-3C226707C9A2}"/>
+                <a16:creationId xmlns:a16="http://schemas.microsoft.com/office/drawing/2014/main" id="{C6721982-D2BA-2F17-41CE-08EEB634B5A9}"/>
               </a:ext>
             </a:extLst>
           </p:cNvPr>
@@ -6687,64 +7089,22 @@
           </p:nvPr>
         </p:nvPicPr>
         <p:blipFill>
-          <a:blip r:embed="rId2">
-            <a:extLst>
-              <a:ext uri="{28A0092B-C50C-407E-A947-70E740481C1C}">
-                <a14:useLocalDpi xmlns:a14="http://schemas.microsoft.com/office/drawing/2010/main" val="0"/>
-              </a:ext>
-            </a:extLst>
-          </a:blip>
+          <a:blip r:embed="rId2"/>
           <a:stretch>
             <a:fillRect/>
           </a:stretch>
         </p:blipFill>
         <p:spPr>
           <a:xfrm>
-            <a:off x="479874" y="2202025"/>
-            <a:ext cx="4985518" cy="1736622"/>
-          </a:xfrm>
-        </p:spPr>
-      </p:pic>
-      <p:pic>
-        <p:nvPicPr>
-          <p:cNvPr id="7" name="Рисунок 6" descr="Изображение выглядит как снимок экрана, линия, дизайн, Графика&#10;&#10;Автоматически созданное описание">
-            <a:extLst>
-              <a:ext uri="{FF2B5EF4-FFF2-40B4-BE49-F238E27FC236}">
-                <a16:creationId xmlns:a16="http://schemas.microsoft.com/office/drawing/2014/main" id="{70A5F66E-AE00-41B8-192D-87AB990D3EE4}"/>
-              </a:ext>
-            </a:extLst>
-          </p:cNvPr>
-          <p:cNvPicPr>
-            <a:picLocks noChangeAspect="1"/>
-          </p:cNvPicPr>
-          <p:nvPr/>
-        </p:nvPicPr>
-        <p:blipFill>
-          <a:blip r:embed="rId3">
-            <a:extLst>
-              <a:ext uri="{28A0092B-C50C-407E-A947-70E740481C1C}">
-                <a14:useLocalDpi xmlns:a14="http://schemas.microsoft.com/office/drawing/2010/main" val="0"/>
-              </a:ext>
-            </a:extLst>
-          </a:blip>
-          <a:stretch>
-            <a:fillRect/>
-          </a:stretch>
-        </p:blipFill>
-        <p:spPr>
-          <a:xfrm>
-            <a:off x="269505" y="4147430"/>
-            <a:ext cx="5541908" cy="2447676"/>
-          </a:xfrm>
-          <a:prstGeom prst="rect">
-            <a:avLst/>
-          </a:prstGeom>
+            <a:off x="269504" y="1253331"/>
+            <a:ext cx="8725773" cy="5039256"/>
+          </a:xfrm>
         </p:spPr>
       </p:pic>
     </p:spTree>
     <p:extLst>
       <p:ext uri="{BB962C8B-B14F-4D97-AF65-F5344CB8AC3E}">
-        <p14:creationId xmlns:p14="http://schemas.microsoft.com/office/powerpoint/2010/main" val="2275337107"/>
+        <p14:creationId xmlns:p14="http://schemas.microsoft.com/office/powerpoint/2010/main" val="365078947"/>
       </p:ext>
     </p:extLst>
   </p:cSld>

--- a/Доки/Данилин А.А.pptx
+++ b/Доки/Данилин А.А.pptx
@@ -14,7 +14,7 @@
     <p:sldId id="286" r:id="rId8"/>
     <p:sldId id="282" r:id="rId9"/>
     <p:sldId id="287" r:id="rId10"/>
-    <p:sldId id="280" r:id="rId11"/>
+    <p:sldId id="293" r:id="rId11"/>
     <p:sldId id="290" r:id="rId12"/>
     <p:sldId id="289" r:id="rId13"/>
     <p:sldId id="284" r:id="rId14"/>
@@ -4973,10 +4973,69 @@
       </p:grpSpPr>
       <p:sp>
         <p:nvSpPr>
+          <p:cNvPr id="2" name="Объект 1">
+            <a:extLst>
+              <a:ext uri="{FF2B5EF4-FFF2-40B4-BE49-F238E27FC236}">
+                <a16:creationId xmlns:a16="http://schemas.microsoft.com/office/drawing/2014/main" id="{2F6850BF-3913-B4CE-723F-49882EEFFDA6}"/>
+              </a:ext>
+            </a:extLst>
+          </p:cNvPr>
+          <p:cNvSpPr>
+            <a:spLocks noGrp="1"/>
+          </p:cNvSpPr>
+          <p:nvPr>
+            <p:ph idx="1"/>
+          </p:nvPr>
+        </p:nvSpPr>
+        <p:spPr/>
+        <p:txBody>
+          <a:bodyPr/>
+          <a:lstStyle/>
+          <a:p>
+            <a:pPr marL="0" indent="0">
+              <a:buNone/>
+            </a:pPr>
+            <a:r>
+              <a:rPr lang="en-US" dirty="0"/>
+              <a:t>Java</a:t>
+            </a:r>
+          </a:p>
+          <a:p>
+            <a:r>
+              <a:rPr lang="ru-RU" dirty="0"/>
+              <a:t>Большой выбор инструментов</a:t>
+            </a:r>
+          </a:p>
+          <a:p>
+            <a:r>
+              <a:rPr lang="ru-RU" dirty="0"/>
+              <a:t>Безопасность</a:t>
+            </a:r>
+          </a:p>
+          <a:p>
+            <a:r>
+              <a:rPr lang="ru-RU" dirty="0"/>
+              <a:t>Надежность</a:t>
+            </a:r>
+          </a:p>
+          <a:p>
+            <a:r>
+              <a:rPr lang="ru-RU"/>
+              <a:t>Объектная ориентированност</a:t>
+            </a:r>
+            <a:r>
+              <a:rPr lang="ru-RU" dirty="0"/>
+              <a:t>ь</a:t>
+            </a:r>
+          </a:p>
+        </p:txBody>
+      </p:sp>
+      <p:sp>
+        <p:nvSpPr>
           <p:cNvPr id="3" name="Заголовок 2">
             <a:extLst>
               <a:ext uri="{FF2B5EF4-FFF2-40B4-BE49-F238E27FC236}">
-                <a16:creationId xmlns:a16="http://schemas.microsoft.com/office/drawing/2014/main" id="{0F41D574-48AC-4BFC-B887-8889357DE512}"/>
+                <a16:creationId xmlns:a16="http://schemas.microsoft.com/office/drawing/2014/main" id="{3F523DC0-18D1-1820-F5DE-CD0871052175}"/>
               </a:ext>
             </a:extLst>
           </p:cNvPr>
@@ -4994,46 +5053,16 @@
           <a:p>
             <a:r>
               <a:rPr lang="ru-RU" dirty="0" err="1"/>
-              <a:t>Фронтенд</a:t>
+              <a:t>Фронтент</a:t>
             </a:r>
             <a:endParaRPr lang="ru-RU" dirty="0"/>
           </a:p>
         </p:txBody>
       </p:sp>
-      <p:pic>
-        <p:nvPicPr>
-          <p:cNvPr id="9" name="Рисунок 8">
-            <a:extLst>
-              <a:ext uri="{FF2B5EF4-FFF2-40B4-BE49-F238E27FC236}">
-                <a16:creationId xmlns:a16="http://schemas.microsoft.com/office/drawing/2014/main" id="{38B5B44D-EA7D-B550-1885-9B36F4F905BE}"/>
-              </a:ext>
-            </a:extLst>
-          </p:cNvPr>
-          <p:cNvPicPr>
-            <a:picLocks noChangeAspect="1"/>
-          </p:cNvPicPr>
-          <p:nvPr/>
-        </p:nvPicPr>
-        <p:blipFill>
-          <a:blip r:embed="rId2"/>
-          <a:stretch>
-            <a:fillRect/>
-          </a:stretch>
-        </p:blipFill>
-        <p:spPr>
-          <a:xfrm>
-            <a:off x="269505" y="1187199"/>
-            <a:ext cx="9047875" cy="4768984"/>
-          </a:xfrm>
-          <a:prstGeom prst="rect">
-            <a:avLst/>
-          </a:prstGeom>
-        </p:spPr>
-      </p:pic>
     </p:spTree>
     <p:extLst>
       <p:ext uri="{BB962C8B-B14F-4D97-AF65-F5344CB8AC3E}">
-        <p14:creationId xmlns:p14="http://schemas.microsoft.com/office/powerpoint/2010/main" val="2681824232"/>
+        <p14:creationId xmlns:p14="http://schemas.microsoft.com/office/powerpoint/2010/main" val="3858833865"/>
       </p:ext>
     </p:extLst>
   </p:cSld>
@@ -6985,35 +7014,67 @@
           </a:p>
         </p:txBody>
       </p:sp>
-      <p:pic>
-        <p:nvPicPr>
-          <p:cNvPr id="8" name="Объект 7">
+      <p:sp>
+        <p:nvSpPr>
+          <p:cNvPr id="4" name="Объект 3">
             <a:extLst>
               <a:ext uri="{FF2B5EF4-FFF2-40B4-BE49-F238E27FC236}">
-                <a16:creationId xmlns:a16="http://schemas.microsoft.com/office/drawing/2014/main" id="{CCDC53D8-D534-545A-55B7-CFAC9631245B}"/>
+                <a16:creationId xmlns:a16="http://schemas.microsoft.com/office/drawing/2014/main" id="{9C64AC85-B46C-2344-8224-DF7616F038DD}"/>
               </a:ext>
             </a:extLst>
           </p:cNvPr>
-          <p:cNvPicPr>
-            <a:picLocks noGrp="1" noChangeAspect="1"/>
-          </p:cNvPicPr>
+          <p:cNvSpPr>
+            <a:spLocks noGrp="1"/>
+          </p:cNvSpPr>
           <p:nvPr>
             <p:ph idx="1"/>
           </p:nvPr>
-        </p:nvPicPr>
-        <p:blipFill>
-          <a:blip r:embed="rId2"/>
-          <a:stretch>
-            <a:fillRect/>
-          </a:stretch>
-        </p:blipFill>
-        <p:spPr>
-          <a:xfrm>
-            <a:off x="269505" y="1253330"/>
-            <a:ext cx="9230000" cy="4744797"/>
-          </a:xfrm>
-        </p:spPr>
-      </p:pic>
+        </p:nvSpPr>
+        <p:spPr/>
+        <p:txBody>
+          <a:bodyPr/>
+          <a:lstStyle/>
+          <a:p>
+            <a:pPr marL="0" indent="0">
+              <a:buNone/>
+            </a:pPr>
+            <a:r>
+              <a:rPr lang="en-US" dirty="0"/>
+              <a:t>Django:</a:t>
+            </a:r>
+          </a:p>
+          <a:p>
+            <a:r>
+              <a:rPr lang="ru-RU" dirty="0"/>
+              <a:t>Высокая скорость разработки</a:t>
+            </a:r>
+          </a:p>
+          <a:p>
+            <a:r>
+              <a:rPr lang="ru-RU" dirty="0"/>
+              <a:t>Масштабируемость</a:t>
+            </a:r>
+          </a:p>
+          <a:p>
+            <a:r>
+              <a:rPr lang="ru-RU" dirty="0"/>
+              <a:t>Безопасность</a:t>
+            </a:r>
+          </a:p>
+          <a:p>
+            <a:r>
+              <a:rPr lang="ru-RU" dirty="0"/>
+              <a:t>Гибкость</a:t>
+            </a:r>
+          </a:p>
+          <a:p>
+            <a:r>
+              <a:rPr lang="ru-RU" dirty="0"/>
+              <a:t>Маршрутизация</a:t>
+            </a:r>
+          </a:p>
+        </p:txBody>
+      </p:sp>
     </p:spTree>
     <p:extLst>
       <p:ext uri="{BB962C8B-B14F-4D97-AF65-F5344CB8AC3E}">

--- a/Доки/Данилин А.А.pptx
+++ b/Доки/Данилин А.А.pptx
@@ -5020,12 +5020,8 @@
           </a:p>
           <a:p>
             <a:r>
-              <a:rPr lang="ru-RU"/>
-              <a:t>Объектная ориентированност</a:t>
-            </a:r>
-            <a:r>
               <a:rPr lang="ru-RU" dirty="0"/>
-              <a:t>ь</a:t>
+              <a:t>Объектная ориентированность</a:t>
             </a:r>
           </a:p>
         </p:txBody>
@@ -5767,27 +5763,24 @@
           <a:p>
             <a:r>
               <a:rPr lang="ru-RU" dirty="0"/>
-              <a:t>позволяет пользователям быстро и удобно получать доступ к новостям и информации спортивного клуба;</a:t>
+              <a:t>Быстрота и удобство получения доступа к новостям и информации спортивного клуба;</a:t>
             </a:r>
           </a:p>
           <a:p>
             <a:r>
               <a:rPr lang="ru-RU" dirty="0"/>
-              <a:t>позволяет пользователям вести учет и отслеживать прогресс собственных тренировок</a:t>
-            </a:r>
+              <a:t>Возможность ведения учета и отслеживания прогресса </a:t>
+            </a:r>
+            <a:r>
+              <a:rPr lang="ru-RU"/>
+              <a:t>собственных тренировок;</a:t>
+            </a:r>
+            <a:endParaRPr lang="ru-RU" dirty="0"/>
           </a:p>
           <a:p>
             <a:r>
               <a:rPr lang="ru-RU" dirty="0"/>
-              <a:t>разработанное </a:t>
-            </a:r>
-            <a:r>
-              <a:rPr lang="ru-RU"/>
-              <a:t>приложение обеспечивает </a:t>
-            </a:r>
-            <a:r>
-              <a:rPr lang="ru-RU" dirty="0"/>
-              <a:t>высокую скорость загрузки и отзывчивость.</a:t>
+              <a:t>Высокую скорость загрузки и отзывчивость.</a:t>
             </a:r>
           </a:p>
         </p:txBody>
